--- a/NotsForProject/Angular Component Interaction.pptx
+++ b/NotsForProject/Angular Component Interaction.pptx
@@ -5,7 +5,7 @@
     <p:sldMasterId id="2147483684" r:id="rId1"/>
   </p:sldMasterIdLst>
   <p:notesMasterIdLst>
-    <p:notesMasterId r:id="rId33"/>
+    <p:notesMasterId r:id="rId35"/>
   </p:notesMasterIdLst>
   <p:sldIdLst>
     <p:sldId id="256" r:id="rId2"/>
@@ -33,12 +33,14 @@
     <p:sldId id="288" r:id="rId24"/>
     <p:sldId id="291" r:id="rId25"/>
     <p:sldId id="292" r:id="rId26"/>
-    <p:sldId id="293" r:id="rId27"/>
-    <p:sldId id="294" r:id="rId28"/>
-    <p:sldId id="295" r:id="rId29"/>
-    <p:sldId id="296" r:id="rId30"/>
-    <p:sldId id="297" r:id="rId31"/>
-    <p:sldId id="298" r:id="rId32"/>
+    <p:sldId id="299" r:id="rId27"/>
+    <p:sldId id="300" r:id="rId28"/>
+    <p:sldId id="293" r:id="rId29"/>
+    <p:sldId id="294" r:id="rId30"/>
+    <p:sldId id="295" r:id="rId31"/>
+    <p:sldId id="296" r:id="rId32"/>
+    <p:sldId id="297" r:id="rId33"/>
+    <p:sldId id="298" r:id="rId34"/>
   </p:sldIdLst>
   <p:sldSz cx="12192000" cy="6858000"/>
   <p:notesSz cx="6858000" cy="9144000"/>
@@ -227,7 +229,7 @@
           <a:p>
             <a:fld id="{3B304D39-FD42-4022-BEC0-65EE9229D0B5}" type="datetimeFigureOut">
               <a:rPr lang="en-US" smtClean="0"/>
-              <a:t>6/6/2021</a:t>
+              <a:t>6/7/2021</a:t>
             </a:fld>
             <a:endParaRPr lang="en-US"/>
           </a:p>
@@ -747,6 +749,90 @@
 </p:notes>
 </file>
 
+<file path=ppt/notesSlides/notesSlide4.xml><?xml version="1.0" encoding="utf-8"?>
+<p:notes xmlns:a="http://schemas.openxmlformats.org/drawingml/2006/main" xmlns:r="http://schemas.openxmlformats.org/officeDocument/2006/relationships" xmlns:p="http://schemas.openxmlformats.org/presentationml/2006/main">
+  <p:cSld>
+    <p:spTree>
+      <p:nvGrpSpPr>
+        <p:cNvPr id="1" name=""/>
+        <p:cNvGrpSpPr/>
+        <p:nvPr/>
+      </p:nvGrpSpPr>
+      <p:grpSpPr>
+        <a:xfrm>
+          <a:off x="0" y="0"/>
+          <a:ext cx="0" cy="0"/>
+          <a:chOff x="0" y="0"/>
+          <a:chExt cx="0" cy="0"/>
+        </a:xfrm>
+      </p:grpSpPr>
+      <p:sp>
+        <p:nvSpPr>
+          <p:cNvPr id="2" name="Slide Image Placeholder 1"/>
+          <p:cNvSpPr>
+            <a:spLocks noGrp="1" noRot="1" noChangeAspect="1"/>
+          </p:cNvSpPr>
+          <p:nvPr>
+            <p:ph type="sldImg"/>
+          </p:nvPr>
+        </p:nvSpPr>
+        <p:spPr/>
+      </p:sp>
+      <p:sp>
+        <p:nvSpPr>
+          <p:cNvPr id="3" name="Notes Placeholder 2"/>
+          <p:cNvSpPr>
+            <a:spLocks noGrp="1"/>
+          </p:cNvSpPr>
+          <p:nvPr>
+            <p:ph type="body" idx="1"/>
+          </p:nvPr>
+        </p:nvSpPr>
+        <p:spPr/>
+        <p:txBody>
+          <a:bodyPr/>
+          <a:lstStyle/>
+          <a:p>
+            <a:endParaRPr lang="en-US" dirty="0"/>
+          </a:p>
+        </p:txBody>
+      </p:sp>
+      <p:sp>
+        <p:nvSpPr>
+          <p:cNvPr id="4" name="Slide Number Placeholder 3"/>
+          <p:cNvSpPr>
+            <a:spLocks noGrp="1"/>
+          </p:cNvSpPr>
+          <p:nvPr>
+            <p:ph type="sldNum" sz="quarter" idx="10"/>
+          </p:nvPr>
+        </p:nvSpPr>
+        <p:spPr/>
+        <p:txBody>
+          <a:bodyPr/>
+          <a:lstStyle/>
+          <a:p>
+            <a:fld id="{1FBCC85D-4223-42E4-AFCF-6BD9839C22A1}" type="slidenum">
+              <a:rPr lang="en-US" smtClean="0"/>
+              <a:t>33</a:t>
+            </a:fld>
+            <a:endParaRPr lang="en-US"/>
+          </a:p>
+        </p:txBody>
+      </p:sp>
+    </p:spTree>
+    <p:extLst>
+      <p:ext uri="{BB962C8B-B14F-4D97-AF65-F5344CB8AC3E}">
+        <p14:creationId xmlns:p14="http://schemas.microsoft.com/office/powerpoint/2010/main" val="399980231"/>
+      </p:ext>
+    </p:extLst>
+  </p:cSld>
+  <p:clrMapOvr>
+    <a:masterClrMapping/>
+  </p:clrMapOvr>
+</p:notes>
+</file>
+
 <file path=ppt/slideLayouts/slideLayout1.xml><?xml version="1.0" encoding="utf-8"?>
 <p:sldLayout xmlns:a="http://schemas.openxmlformats.org/drawingml/2006/main" xmlns:r="http://schemas.openxmlformats.org/officeDocument/2006/relationships" xmlns:p="http://schemas.openxmlformats.org/presentationml/2006/main" type="title" preserve="1">
   <p:cSld name="Title Slide">
@@ -878,7 +964,7 @@
           <a:p>
             <a:fld id="{3113538A-5FD6-4128-A530-EB9F4D3BC981}" type="datetimeFigureOut">
               <a:rPr lang="en-US" smtClean="0"/>
-              <a:t>6/5/2021</a:t>
+              <a:t>6/7/2021</a:t>
             </a:fld>
             <a:endParaRPr lang="en-US"/>
           </a:p>
@@ -1048,7 +1134,7 @@
           <a:p>
             <a:fld id="{3113538A-5FD6-4128-A530-EB9F4D3BC981}" type="datetimeFigureOut">
               <a:rPr lang="en-US" smtClean="0"/>
-              <a:t>6/5/2021</a:t>
+              <a:t>6/7/2021</a:t>
             </a:fld>
             <a:endParaRPr lang="en-US"/>
           </a:p>
@@ -1228,7 +1314,7 @@
           <a:p>
             <a:fld id="{3113538A-5FD6-4128-A530-EB9F4D3BC981}" type="datetimeFigureOut">
               <a:rPr lang="en-US" smtClean="0"/>
-              <a:t>6/5/2021</a:t>
+              <a:t>6/7/2021</a:t>
             </a:fld>
             <a:endParaRPr lang="en-US"/>
           </a:p>
@@ -1398,7 +1484,7 @@
           <a:p>
             <a:fld id="{3113538A-5FD6-4128-A530-EB9F4D3BC981}" type="datetimeFigureOut">
               <a:rPr lang="en-US" smtClean="0"/>
-              <a:t>6/5/2021</a:t>
+              <a:t>6/7/2021</a:t>
             </a:fld>
             <a:endParaRPr lang="en-US"/>
           </a:p>
@@ -1644,7 +1730,7 @@
           <a:p>
             <a:fld id="{3113538A-5FD6-4128-A530-EB9F4D3BC981}" type="datetimeFigureOut">
               <a:rPr lang="en-US" smtClean="0"/>
-              <a:t>6/5/2021</a:t>
+              <a:t>6/7/2021</a:t>
             </a:fld>
             <a:endParaRPr lang="en-US"/>
           </a:p>
@@ -1876,7 +1962,7 @@
           <a:p>
             <a:fld id="{3113538A-5FD6-4128-A530-EB9F4D3BC981}" type="datetimeFigureOut">
               <a:rPr lang="en-US" smtClean="0"/>
-              <a:t>6/5/2021</a:t>
+              <a:t>6/7/2021</a:t>
             </a:fld>
             <a:endParaRPr lang="en-US"/>
           </a:p>
@@ -2243,7 +2329,7 @@
           <a:p>
             <a:fld id="{3113538A-5FD6-4128-A530-EB9F4D3BC981}" type="datetimeFigureOut">
               <a:rPr lang="en-US" smtClean="0"/>
-              <a:t>6/5/2021</a:t>
+              <a:t>6/7/2021</a:t>
             </a:fld>
             <a:endParaRPr lang="en-US"/>
           </a:p>
@@ -2361,7 +2447,7 @@
           <a:p>
             <a:fld id="{3113538A-5FD6-4128-A530-EB9F4D3BC981}" type="datetimeFigureOut">
               <a:rPr lang="en-US" smtClean="0"/>
-              <a:t>6/5/2021</a:t>
+              <a:t>6/7/2021</a:t>
             </a:fld>
             <a:endParaRPr lang="en-US"/>
           </a:p>
@@ -2456,7 +2542,7 @@
           <a:p>
             <a:fld id="{3113538A-5FD6-4128-A530-EB9F4D3BC981}" type="datetimeFigureOut">
               <a:rPr lang="en-US" smtClean="0"/>
-              <a:t>6/5/2021</a:t>
+              <a:t>6/7/2021</a:t>
             </a:fld>
             <a:endParaRPr lang="en-US"/>
           </a:p>
@@ -2733,7 +2819,7 @@
           <a:p>
             <a:fld id="{3113538A-5FD6-4128-A530-EB9F4D3BC981}" type="datetimeFigureOut">
               <a:rPr lang="en-US" smtClean="0"/>
-              <a:t>6/5/2021</a:t>
+              <a:t>6/7/2021</a:t>
             </a:fld>
             <a:endParaRPr lang="en-US"/>
           </a:p>
@@ -2986,7 +3072,7 @@
           <a:p>
             <a:fld id="{3113538A-5FD6-4128-A530-EB9F4D3BC981}" type="datetimeFigureOut">
               <a:rPr lang="en-US" smtClean="0"/>
-              <a:t>6/5/2021</a:t>
+              <a:t>6/7/2021</a:t>
             </a:fld>
             <a:endParaRPr lang="en-US"/>
           </a:p>
@@ -3199,7 +3285,7 @@
           <a:p>
             <a:fld id="{3113538A-5FD6-4128-A530-EB9F4D3BC981}" type="datetimeFigureOut">
               <a:rPr lang="en-US" smtClean="0"/>
-              <a:t>6/5/2021</a:t>
+              <a:t>6/7/2021</a:t>
             </a:fld>
             <a:endParaRPr lang="en-US"/>
           </a:p>
@@ -3758,19 +3844,6 @@
               </a:rPr>
               <a:t>binding </a:t>
             </a:r>
-            <a:endParaRPr lang="en-US" dirty="0">
-              <a:ln w="0"/>
-              <a:solidFill>
-                <a:schemeClr val="accent1"/>
-              </a:solidFill>
-              <a:effectLst>
-                <a:outerShdw blurRad="38100" dist="25400" dir="5400000" algn="ctr" rotWithShape="0">
-                  <a:srgbClr val="6E747A">
-                    <a:alpha val="43000"/>
-                  </a:srgbClr>
-                </a:outerShdw>
-              </a:effectLst>
-            </a:endParaRPr>
           </a:p>
         </p:txBody>
       </p:sp>
@@ -3995,9 +4068,6 @@
               </a:rPr>
               <a:t>split two way binding.</a:t>
             </a:r>
-            <a:endParaRPr lang="en-US" dirty="0" smtClean="0">
-              <a:sym typeface="Wingdings" panose="05000000000000000000" pitchFamily="2" charset="2"/>
-            </a:endParaRPr>
           </a:p>
           <a:p>
             <a:pPr marL="1371600" lvl="2" indent="-457200">
@@ -5260,11 +5330,7 @@
             </a:pPr>
             <a:r>
               <a:rPr lang="en-US" dirty="0" smtClean="0"/>
-              <a:t>change appearance</a:t>
-            </a:r>
-            <a:r>
-              <a:rPr lang="en-US" dirty="0" smtClean="0"/>
-              <a:t>/ behavior/ behavior </a:t>
+              <a:t>change appearance/ behavior/ behavior </a:t>
             </a:r>
             <a:r>
               <a:rPr lang="en-US" dirty="0" smtClean="0">
@@ -5312,7 +5378,6 @@
               <a:rPr lang="en-US" dirty="0" smtClean="0"/>
               <a:t>NgModel	two-way binding to HTML form element.</a:t>
             </a:r>
-            <a:endParaRPr lang="en-US" dirty="0" smtClean="0"/>
           </a:p>
           <a:p>
             <a:pPr marL="914400" lvl="1" indent="-457200">
@@ -5367,7 +5432,6 @@
               <a:rPr lang="en-US" dirty="0" smtClean="0"/>
               <a:t>NgSwitch		set of directives switch among alternative.</a:t>
             </a:r>
-            <a:endParaRPr lang="en-US" dirty="0" smtClean="0"/>
           </a:p>
           <a:p>
             <a:endParaRPr lang="en-US" dirty="0" smtClean="0"/>
@@ -6377,7 +6441,15 @@
             </a:r>
             <a:r>
               <a:rPr lang="en-US" dirty="0" smtClean="0"/>
-              <a:t>Hooks we need to implements the interface, then implement that method.</a:t>
+              <a:t>Hooks we need to implements the interface, then </a:t>
+            </a:r>
+            <a:r>
+              <a:rPr lang="en-US" dirty="0" smtClean="0"/>
+              <a:t>override </a:t>
+            </a:r>
+            <a:r>
+              <a:rPr lang="en-US" dirty="0" smtClean="0"/>
+              <a:t>that method.</a:t>
             </a:r>
           </a:p>
           <a:p>
@@ -6385,7 +6457,6 @@
               <a:rPr lang="en-US" dirty="0" smtClean="0"/>
               <a:t>ngOnInit() is available by default all components that you crate.</a:t>
             </a:r>
-            <a:endParaRPr lang="en-US" dirty="0" smtClean="0"/>
           </a:p>
           <a:p>
             <a:pPr marL="0" indent="0">
@@ -6491,18 +6562,7 @@
                   </a:schemeClr>
                 </a:solidFill>
               </a:rPr>
-              <a:t> </a:t>
-            </a:r>
-            <a:r>
-              <a:rPr lang="en-US" b="1" dirty="0" smtClean="0">
-                <a:solidFill>
-                  <a:schemeClr val="accent5">
-                    <a:lumMod val="60000"/>
-                    <a:lumOff val="40000"/>
-                  </a:schemeClr>
-                </a:solidFill>
-              </a:rPr>
-              <a:t>   </a:t>
+              <a:t>    </a:t>
             </a:r>
             <a:r>
               <a:rPr lang="en-US" b="1" dirty="0" smtClean="0">
@@ -6678,11 +6738,7 @@
           <a:p>
             <a:r>
               <a:rPr lang="en-US" dirty="0" smtClean="0"/>
-              <a:t>Search </a:t>
-            </a:r>
-            <a:r>
-              <a:rPr lang="en-US" dirty="0" smtClean="0"/>
-              <a:t>for the element/elements in view(component’s template).</a:t>
+              <a:t>Search for the element/elements in view(component’s template).</a:t>
             </a:r>
           </a:p>
           <a:p>
@@ -6795,18 +6851,7 @@
                   </a:schemeClr>
                 </a:solidFill>
               </a:rPr>
-              <a:t> </a:t>
-            </a:r>
-            <a:r>
-              <a:rPr lang="en-US" b="1" dirty="0" smtClean="0">
-                <a:solidFill>
-                  <a:schemeClr val="accent5">
-                    <a:lumMod val="60000"/>
-                    <a:lumOff val="40000"/>
-                  </a:schemeClr>
-                </a:solidFill>
-              </a:rPr>
-              <a:t>   </a:t>
+              <a:t>    </a:t>
             </a:r>
             <a:r>
               <a:rPr lang="en-US" b="1" dirty="0" smtClean="0">
@@ -7261,20 +7306,58 @@
           <a:p>
             <a:pPr lvl="1"/>
             <a:r>
+              <a:rPr lang="en-US" dirty="0">
+                <a:sym typeface="Wingdings" panose="05000000000000000000" pitchFamily="2" charset="2"/>
+              </a:rPr>
+              <a:t>@Input() </a:t>
+            </a:r>
+            <a:r>
               <a:rPr lang="en-US" dirty="0" smtClean="0">
                 <a:sym typeface="Wingdings" panose="05000000000000000000" pitchFamily="2" charset="2"/>
               </a:rPr>
-              <a:t>Getters and Setters</a:t>
-            </a:r>
-          </a:p>
-          <a:p>
-            <a:pPr lvl="1"/>
+              <a:t>and Getters </a:t>
+            </a:r>
             <a:r>
               <a:rPr lang="en-US" dirty="0" smtClean="0">
                 <a:sym typeface="Wingdings" panose="05000000000000000000" pitchFamily="2" charset="2"/>
               </a:rPr>
-              <a:t>ngOnChanges()</a:t>
-            </a:r>
+              <a:t>Setters</a:t>
+            </a:r>
+            <a:endParaRPr lang="en-US" dirty="0" smtClean="0">
+              <a:sym typeface="Wingdings" panose="05000000000000000000" pitchFamily="2" charset="2"/>
+            </a:endParaRPr>
+          </a:p>
+          <a:p>
+            <a:pPr lvl="1"/>
+            <a:r>
+              <a:rPr lang="en-US" dirty="0">
+                <a:sym typeface="Wingdings" panose="05000000000000000000" pitchFamily="2" charset="2"/>
+              </a:rPr>
+              <a:t>@Input() </a:t>
+            </a:r>
+            <a:r>
+              <a:rPr lang="en-US" dirty="0" smtClean="0">
+                <a:sym typeface="Wingdings" panose="05000000000000000000" pitchFamily="2" charset="2"/>
+              </a:rPr>
+              <a:t>and ngOnChanges</a:t>
+            </a:r>
+            <a:r>
+              <a:rPr lang="en-US" dirty="0" smtClean="0">
+                <a:sym typeface="Wingdings" panose="05000000000000000000" pitchFamily="2" charset="2"/>
+              </a:rPr>
+              <a:t>()</a:t>
+            </a:r>
+          </a:p>
+          <a:p>
+            <a:r>
+              <a:rPr lang="en-US" dirty="0" smtClean="0">
+                <a:sym typeface="Wingdings" panose="05000000000000000000" pitchFamily="2" charset="2"/>
+              </a:rPr>
+              <a:t>Parent  child</a:t>
+            </a:r>
+            <a:endParaRPr lang="en-US" dirty="0" smtClean="0">
+              <a:sym typeface="Wingdings" panose="05000000000000000000" pitchFamily="2" charset="2"/>
+            </a:endParaRPr>
           </a:p>
           <a:p>
             <a:pPr lvl="1"/>
@@ -7721,7 +7804,7 @@
                   </a:outerShdw>
                 </a:effectLst>
               </a:rPr>
-              <a:t>Patent </a:t>
+              <a:t>Parent </a:t>
             </a:r>
             <a:r>
               <a:rPr lang="en-US" dirty="0" smtClean="0">
@@ -7738,7 +7821,24 @@
                 </a:effectLst>
                 <a:sym typeface="Wingdings" panose="05000000000000000000" pitchFamily="2" charset="2"/>
               </a:rPr>
-              <a:t> Child  @Input()</a:t>
+              <a:t> Child  @</a:t>
+            </a:r>
+            <a:r>
+              <a:rPr lang="en-US" dirty="0" smtClean="0">
+                <a:ln w="0"/>
+                <a:solidFill>
+                  <a:schemeClr val="accent1"/>
+                </a:solidFill>
+                <a:effectLst>
+                  <a:outerShdw blurRad="38100" dist="25400" dir="5400000" algn="ctr" rotWithShape="0">
+                    <a:srgbClr val="6E747A">
+                      <a:alpha val="43000"/>
+                    </a:srgbClr>
+                  </a:outerShdw>
+                </a:effectLst>
+                <a:sym typeface="Wingdings" panose="05000000000000000000" pitchFamily="2" charset="2"/>
+              </a:rPr>
+              <a:t>Input</a:t>
             </a:r>
             <a:endParaRPr lang="en-US" dirty="0">
               <a:ln w="0"/>
@@ -8112,7 +8212,7 @@
                   </a:outerShdw>
                 </a:effectLst>
               </a:rPr>
-              <a:t>Patent </a:t>
+              <a:t>Parent </a:t>
             </a:r>
             <a:r>
               <a:rPr lang="en-US" dirty="0" smtClean="0">
@@ -8129,7 +8229,24 @@
                 </a:effectLst>
                 <a:sym typeface="Wingdings" panose="05000000000000000000" pitchFamily="2" charset="2"/>
               </a:rPr>
-              <a:t> Child  Getters &amp; Setters</a:t>
+              <a:t> Child </a:t>
+            </a:r>
+            <a:r>
+              <a:rPr lang="en-US" dirty="0" smtClean="0">
+                <a:ln w="0"/>
+                <a:solidFill>
+                  <a:schemeClr val="accent1"/>
+                </a:solidFill>
+                <a:effectLst>
+                  <a:outerShdw blurRad="38100" dist="25400" dir="5400000" algn="ctr" rotWithShape="0">
+                    <a:srgbClr val="6E747A">
+                      <a:alpha val="43000"/>
+                    </a:srgbClr>
+                  </a:outerShdw>
+                </a:effectLst>
+                <a:sym typeface="Wingdings" panose="05000000000000000000" pitchFamily="2" charset="2"/>
+              </a:rPr>
+              <a:t>|| @Input &amp; Getters Setters</a:t>
             </a:r>
             <a:endParaRPr lang="en-US" dirty="0">
               <a:ln w="0"/>
@@ -8386,7 +8503,7 @@
                   </a:outerShdw>
                 </a:effectLst>
               </a:rPr>
-              <a:t>Patent </a:t>
+              <a:t>Parent </a:t>
             </a:r>
             <a:r>
               <a:rPr lang="en-US" dirty="0" smtClean="0">
@@ -8403,7 +8520,41 @@
                 </a:effectLst>
                 <a:sym typeface="Wingdings" panose="05000000000000000000" pitchFamily="2" charset="2"/>
               </a:rPr>
-              <a:t> Child  ngOnChanges</a:t>
+              <a:t> Child </a:t>
+            </a:r>
+            <a:r>
+              <a:rPr lang="en-US" dirty="0" smtClean="0">
+                <a:ln w="0"/>
+                <a:solidFill>
+                  <a:schemeClr val="accent1"/>
+                </a:solidFill>
+                <a:effectLst>
+                  <a:outerShdw blurRad="38100" dist="25400" dir="5400000" algn="ctr" rotWithShape="0">
+                    <a:srgbClr val="6E747A">
+                      <a:alpha val="43000"/>
+                    </a:srgbClr>
+                  </a:outerShdw>
+                </a:effectLst>
+                <a:sym typeface="Wingdings" panose="05000000000000000000" pitchFamily="2" charset="2"/>
+              </a:rPr>
+              <a:t>|| @Input &amp; </a:t>
+            </a:r>
+            <a:r>
+              <a:rPr lang="en-US" dirty="0" smtClean="0">
+                <a:ln w="0"/>
+                <a:solidFill>
+                  <a:schemeClr val="accent1"/>
+                </a:solidFill>
+                <a:effectLst>
+                  <a:outerShdw blurRad="38100" dist="25400" dir="5400000" algn="ctr" rotWithShape="0">
+                    <a:srgbClr val="6E747A">
+                      <a:alpha val="43000"/>
+                    </a:srgbClr>
+                  </a:outerShdw>
+                </a:effectLst>
+                <a:sym typeface="Wingdings" panose="05000000000000000000" pitchFamily="2" charset="2"/>
+              </a:rPr>
+              <a:t>ngOnChanges</a:t>
             </a:r>
             <a:endParaRPr lang="en-US" dirty="0">
               <a:ln w="0"/>
@@ -8644,18 +8795,7 @@
                   </a:schemeClr>
                 </a:solidFill>
               </a:rPr>
-              <a:t> </a:t>
-            </a:r>
-            <a:r>
-              <a:rPr lang="en-US" b="1" dirty="0" smtClean="0">
-                <a:solidFill>
-                  <a:schemeClr val="accent5">
-                    <a:lumMod val="60000"/>
-                    <a:lumOff val="40000"/>
-                  </a:schemeClr>
-                </a:solidFill>
-              </a:rPr>
-              <a:t>   Parent </a:t>
+              <a:t>    Parent </a:t>
             </a:r>
             <a:r>
               <a:rPr lang="en-US" b="1" dirty="0" smtClean="0">
@@ -8873,39 +9013,23 @@
               <a:t>ngOnChanges gives </a:t>
             </a:r>
             <a:r>
-              <a:rPr lang="en-US" dirty="0" err="1" smtClean="0"/>
-              <a:t>sipleChange</a:t>
-            </a:r>
-            <a:r>
               <a:rPr lang="en-US" dirty="0" smtClean="0"/>
-              <a:t> object </a:t>
+              <a:t>simpleChange </a:t>
+            </a:r>
+            <a:r>
+              <a:rPr lang="en-US" dirty="0" smtClean="0"/>
+              <a:t>object </a:t>
             </a:r>
           </a:p>
           <a:p>
             <a:pPr lvl="2"/>
             <a:r>
-              <a:rPr lang="en-US" dirty="0" err="1" smtClean="0"/>
-              <a:t>currentValue</a:t>
-            </a:r>
-            <a:r>
               <a:rPr lang="en-US" dirty="0" smtClean="0"/>
-              <a:t>, </a:t>
-            </a:r>
-            <a:r>
-              <a:rPr lang="en-US" dirty="0" err="1" smtClean="0"/>
-              <a:t>previousValue</a:t>
+              <a:t>current Value, previous Value, first Change </a:t>
             </a:r>
             <a:r>
               <a:rPr lang="en-US" dirty="0" smtClean="0"/>
-              <a:t>, </a:t>
-            </a:r>
-            <a:r>
-              <a:rPr lang="en-US" dirty="0" err="1" smtClean="0"/>
-              <a:t>firstChange</a:t>
-            </a:r>
-            <a:r>
-              <a:rPr lang="en-US" dirty="0" smtClean="0"/>
-              <a:t> can use these if it’s needed.</a:t>
+              <a:t>can use these if it’s needed.</a:t>
             </a:r>
             <a:endParaRPr lang="en-US" dirty="0"/>
           </a:p>
@@ -8992,7 +9116,7 @@
                   </a:schemeClr>
                 </a:solidFill>
               </a:rPr>
-              <a:t> </a:t>
+              <a:t>    Parent </a:t>
             </a:r>
             <a:r>
               <a:rPr lang="en-US" b="1" dirty="0" smtClean="0">
@@ -9002,8 +9126,9 @@
                     <a:lumOff val="40000"/>
                   </a:schemeClr>
                 </a:solidFill>
+                <a:sym typeface="Wingdings" panose="05000000000000000000" pitchFamily="2" charset="2"/>
               </a:rPr>
-              <a:t>   Parent </a:t>
+              <a:t> </a:t>
             </a:r>
             <a:r>
               <a:rPr lang="en-US" b="1" dirty="0" smtClean="0">
@@ -9015,7 +9140,7 @@
                 </a:solidFill>
                 <a:sym typeface="Wingdings" panose="05000000000000000000" pitchFamily="2" charset="2"/>
               </a:rPr>
-              <a:t> Child</a:t>
+              <a:t>Child || template reference</a:t>
             </a:r>
             <a:endParaRPr lang="en-US" dirty="0">
               <a:ln w="0"/>
@@ -9194,7 +9319,15 @@
             <a:pPr lvl="1"/>
             <a:r>
               <a:rPr lang="en-US" sz="2000" dirty="0" smtClean="0"/>
-              <a:t>By using template reference variable in the template.</a:t>
+              <a:t>By using template reference variable </a:t>
+            </a:r>
+            <a:r>
+              <a:rPr lang="en-US" sz="2000" b="1" dirty="0" smtClean="0"/>
+              <a:t>in the template</a:t>
+            </a:r>
+            <a:r>
+              <a:rPr lang="en-US" sz="2000" dirty="0" smtClean="0"/>
+              <a:t>.</a:t>
             </a:r>
             <a:endParaRPr lang="en-US" sz="2000" dirty="0"/>
           </a:p>
@@ -9311,7 +9444,7 @@
                   </a:schemeClr>
                 </a:solidFill>
               </a:rPr>
-              <a:t> </a:t>
+              <a:t>    Parent </a:t>
             </a:r>
             <a:r>
               <a:rPr lang="en-US" b="1" dirty="0" smtClean="0">
@@ -9321,8 +9454,9 @@
                     <a:lumOff val="40000"/>
                   </a:schemeClr>
                 </a:solidFill>
+                <a:sym typeface="Wingdings" panose="05000000000000000000" pitchFamily="2" charset="2"/>
               </a:rPr>
-              <a:t>   Parent </a:t>
+              <a:t> Child </a:t>
             </a:r>
             <a:r>
               <a:rPr lang="en-US" b="1" dirty="0" smtClean="0">
@@ -9334,7 +9468,19 @@
                 </a:solidFill>
                 <a:sym typeface="Wingdings" panose="05000000000000000000" pitchFamily="2" charset="2"/>
               </a:rPr>
-              <a:t> Child @viewChild</a:t>
+              <a:t>|| @</a:t>
+            </a:r>
+            <a:r>
+              <a:rPr lang="en-US" b="1" dirty="0" smtClean="0">
+                <a:solidFill>
+                  <a:schemeClr val="accent5">
+                    <a:lumMod val="60000"/>
+                    <a:lumOff val="40000"/>
+                  </a:schemeClr>
+                </a:solidFill>
+                <a:sym typeface="Wingdings" panose="05000000000000000000" pitchFamily="2" charset="2"/>
+              </a:rPr>
+              <a:t>viewChild</a:t>
             </a:r>
             <a:endParaRPr lang="en-US" dirty="0">
               <a:ln w="0"/>
@@ -9529,6 +9675,36 @@
           </a:p>
         </p:txBody>
       </p:sp>
+      <p:pic>
+        <p:nvPicPr>
+          <p:cNvPr id="4" name="Picture 3"/>
+          <p:cNvPicPr>
+            <a:picLocks noChangeAspect="1"/>
+          </p:cNvPicPr>
+          <p:nvPr/>
+        </p:nvPicPr>
+        <p:blipFill>
+          <a:blip r:embed="rId2">
+            <a:extLst>
+              <a:ext uri="{28A0092B-C50C-407E-A947-70E740481C1C}">
+                <a14:useLocalDpi xmlns:a14="http://schemas.microsoft.com/office/drawing/2010/main" val="0"/>
+              </a:ext>
+            </a:extLst>
+          </a:blip>
+          <a:stretch>
+            <a:fillRect/>
+          </a:stretch>
+        </p:blipFill>
+        <p:spPr>
+          <a:xfrm>
+            <a:off x="2111874" y="2302495"/>
+            <a:ext cx="7257209" cy="4313567"/>
+          </a:xfrm>
+          <a:prstGeom prst="rect">
+            <a:avLst/>
+          </a:prstGeom>
+        </p:spPr>
+      </p:pic>
     </p:spTree>
     <p:extLst>
       <p:ext uri="{BB962C8B-B14F-4D97-AF65-F5344CB8AC3E}">
@@ -9576,13 +9752,18 @@
             <p:ph type="title"/>
           </p:nvPr>
         </p:nvSpPr>
-        <p:spPr/>
+        <p:spPr>
+          <a:xfrm>
+            <a:off x="618565" y="365125"/>
+            <a:ext cx="10735235" cy="1325563"/>
+          </a:xfrm>
+        </p:spPr>
         <p:txBody>
           <a:bodyPr/>
           <a:lstStyle/>
           <a:p>
             <a:r>
-              <a:rPr lang="en-US" b="1" dirty="0">
+              <a:rPr lang="en-US" b="1" dirty="0" smtClean="0">
                 <a:solidFill>
                   <a:schemeClr val="accent5">
                     <a:lumMod val="60000"/>
@@ -9590,219 +9771,223 @@
                   </a:schemeClr>
                 </a:solidFill>
               </a:rPr>
-              <a:t>Reactive Programming</a:t>
-            </a:r>
-            <a:endParaRPr lang="en-US" dirty="0"/>
+              <a:t>    Parent </a:t>
+            </a:r>
+            <a:r>
+              <a:rPr lang="en-US" b="1" dirty="0" smtClean="0">
+                <a:solidFill>
+                  <a:schemeClr val="accent5">
+                    <a:lumMod val="60000"/>
+                    <a:lumOff val="40000"/>
+                  </a:schemeClr>
+                </a:solidFill>
+                <a:sym typeface="Wingdings" panose="05000000000000000000" pitchFamily="2" charset="2"/>
+              </a:rPr>
+              <a:t> Child </a:t>
+            </a:r>
+            <a:r>
+              <a:rPr lang="en-US" b="1" dirty="0" smtClean="0">
+                <a:solidFill>
+                  <a:schemeClr val="accent5">
+                    <a:lumMod val="60000"/>
+                    <a:lumOff val="40000"/>
+                  </a:schemeClr>
+                </a:solidFill>
+                <a:sym typeface="Wingdings" panose="05000000000000000000" pitchFamily="2" charset="2"/>
+              </a:rPr>
+              <a:t>|| @Output &amp; EventEmit</a:t>
+            </a:r>
+            <a:endParaRPr lang="en-US" dirty="0">
+              <a:ln w="0"/>
+              <a:solidFill>
+                <a:schemeClr val="accent1"/>
+              </a:solidFill>
+              <a:effectLst>
+                <a:outerShdw blurRad="38100" dist="25400" dir="5400000" algn="ctr" rotWithShape="0">
+                  <a:srgbClr val="6E747A">
+                    <a:alpha val="43000"/>
+                  </a:srgbClr>
+                </a:outerShdw>
+              </a:effectLst>
+            </a:endParaRPr>
           </a:p>
         </p:txBody>
       </p:sp>
-      <p:sp>
-        <p:nvSpPr>
-          <p:cNvPr id="3" name="Text Placeholder 2"/>
-          <p:cNvSpPr>
-            <a:spLocks noGrp="1"/>
-          </p:cNvSpPr>
-          <p:nvPr>
-            <p:ph type="body" idx="1"/>
-          </p:nvPr>
-        </p:nvSpPr>
-        <p:spPr/>
-        <p:txBody>
-          <a:bodyPr/>
-          <a:lstStyle/>
-          <a:p>
-            <a:r>
-              <a:rPr lang="en-US" dirty="0" smtClean="0"/>
-              <a:t>Im</a:t>
-            </a:r>
-            <a:r>
-              <a:rPr lang="en-US" sz="3200" dirty="0" smtClean="0"/>
-              <a:t>p</a:t>
-            </a:r>
-            <a:r>
-              <a:rPr lang="en-US" dirty="0" smtClean="0"/>
-              <a:t>erative Programming (java)</a:t>
-            </a:r>
-            <a:endParaRPr lang="en-US" dirty="0"/>
-          </a:p>
-        </p:txBody>
-      </p:sp>
-      <p:sp>
-        <p:nvSpPr>
-          <p:cNvPr id="4" name="Content Placeholder 3"/>
-          <p:cNvSpPr>
-            <a:spLocks noGrp="1"/>
-          </p:cNvSpPr>
-          <p:nvPr>
-            <p:ph sz="half" idx="2"/>
-          </p:nvPr>
-        </p:nvSpPr>
-        <p:spPr/>
-        <p:txBody>
-          <a:bodyPr/>
-          <a:lstStyle/>
-          <a:p>
-            <a:pPr marL="514350" indent="-514350">
-              <a:buFont typeface="+mj-lt"/>
-              <a:buAutoNum type="arabicPeriod"/>
-            </a:pPr>
-            <a:r>
-              <a:rPr lang="en-US" dirty="0" smtClean="0"/>
-              <a:t>How program works</a:t>
-            </a:r>
-          </a:p>
-          <a:p>
-            <a:pPr marL="514350" indent="-514350">
-              <a:buFont typeface="+mj-lt"/>
-              <a:buAutoNum type="arabicPeriod"/>
-            </a:pPr>
-            <a:r>
-              <a:rPr lang="en-US" dirty="0" smtClean="0"/>
-              <a:t>Easy learning curve</a:t>
-            </a:r>
-          </a:p>
-          <a:p>
-            <a:pPr marL="514350" indent="-514350">
-              <a:buFont typeface="+mj-lt"/>
-              <a:buAutoNum type="arabicPeriod"/>
-            </a:pPr>
-            <a:r>
-              <a:rPr lang="en-US" dirty="0" smtClean="0"/>
-              <a:t>Functions, conditions, loops, OOP concepts</a:t>
-            </a:r>
-          </a:p>
-          <a:p>
-            <a:pPr marL="514350" indent="-514350">
-              <a:buFont typeface="+mj-lt"/>
-              <a:buAutoNum type="arabicPeriod"/>
-            </a:pPr>
-            <a:r>
-              <a:rPr lang="en-US" dirty="0" smtClean="0"/>
-              <a:t>Statements can change the </a:t>
-            </a:r>
-            <a:r>
-              <a:rPr lang="en-US" b="1" dirty="0" smtClean="0"/>
-              <a:t>state</a:t>
-            </a:r>
-            <a:r>
-              <a:rPr lang="en-US" dirty="0" smtClean="0"/>
-              <a:t> of the program</a:t>
-            </a:r>
-          </a:p>
-          <a:p>
-            <a:pPr lvl="1"/>
-            <a:r>
-              <a:rPr lang="en-US" dirty="0" smtClean="0">
-                <a:solidFill>
-                  <a:srgbClr val="FFC000"/>
-                </a:solidFill>
-              </a:rPr>
-              <a:t>If(x%2==0 || x% 3 ==0 ) </a:t>
-            </a:r>
-            <a:r>
-              <a:rPr lang="en-US" dirty="0" smtClean="0"/>
-              <a:t>list.add(x)</a:t>
-            </a:r>
-            <a:endParaRPr lang="en-US" dirty="0"/>
-          </a:p>
-        </p:txBody>
-      </p:sp>
-      <p:sp>
-        <p:nvSpPr>
-          <p:cNvPr id="5" name="Text Placeholder 4"/>
-          <p:cNvSpPr>
-            <a:spLocks noGrp="1"/>
-          </p:cNvSpPr>
-          <p:nvPr>
-            <p:ph type="body" sz="quarter" idx="3"/>
-          </p:nvPr>
-        </p:nvSpPr>
-        <p:spPr/>
-        <p:txBody>
-          <a:bodyPr/>
-          <a:lstStyle/>
-          <a:p>
-            <a:r>
-              <a:rPr lang="en-US" dirty="0" smtClean="0"/>
-              <a:t>Functional Programming (JS)</a:t>
-            </a:r>
-            <a:endParaRPr lang="en-US" dirty="0"/>
-          </a:p>
-        </p:txBody>
-      </p:sp>
-      <p:sp>
-        <p:nvSpPr>
-          <p:cNvPr id="6" name="Content Placeholder 5"/>
-          <p:cNvSpPr>
-            <a:spLocks noGrp="1"/>
-          </p:cNvSpPr>
-          <p:nvPr>
-            <p:ph sz="quarter" idx="4"/>
-          </p:nvPr>
-        </p:nvSpPr>
-        <p:spPr/>
-        <p:txBody>
-          <a:bodyPr/>
-          <a:lstStyle/>
-          <a:p>
-            <a:r>
-              <a:rPr lang="en-US" dirty="0" smtClean="0"/>
-              <a:t>What to solve</a:t>
-            </a:r>
-          </a:p>
-          <a:p>
-            <a:r>
-              <a:rPr lang="en-US" dirty="0" smtClean="0"/>
-              <a:t>Long learning curve &amp; migrations</a:t>
-            </a:r>
-          </a:p>
-          <a:p>
-            <a:r>
-              <a:rPr lang="en-US" dirty="0"/>
-              <a:t>Ideally to be </a:t>
-            </a:r>
-            <a:r>
-              <a:rPr lang="en-US" b="1" dirty="0"/>
-              <a:t>stateless</a:t>
-            </a:r>
-            <a:r>
-              <a:rPr lang="en-US" dirty="0"/>
-              <a:t> </a:t>
-            </a:r>
-            <a:endParaRPr lang="en-US" dirty="0" smtClean="0"/>
-          </a:p>
-          <a:p>
-            <a:r>
-              <a:rPr lang="en-US" dirty="0" smtClean="0"/>
-              <a:t>Use functions to create expressions rather than statements.</a:t>
-            </a:r>
-          </a:p>
-          <a:p>
-            <a:pPr lvl="1"/>
-            <a:r>
-              <a:rPr lang="en-US" dirty="0" smtClean="0">
-                <a:solidFill>
-                  <a:srgbClr val="FFC000"/>
-                </a:solidFill>
-              </a:rPr>
-              <a:t>var filter=x=&gt;{return x%2==0 || x%3==0}</a:t>
-            </a:r>
-          </a:p>
-          <a:p>
-            <a:endParaRPr lang="en-US" dirty="0"/>
-          </a:p>
-        </p:txBody>
-      </p:sp>
+      <p:cxnSp>
+        <p:nvCxnSpPr>
+          <p:cNvPr id="5" name="Straight Connector 4"/>
+          <p:cNvCxnSpPr/>
+          <p:nvPr/>
+        </p:nvCxnSpPr>
+        <p:spPr>
+          <a:xfrm>
+            <a:off x="407963" y="1294228"/>
+            <a:ext cx="8961120" cy="28135"/>
+          </a:xfrm>
+          <a:prstGeom prst="line">
+            <a:avLst/>
+          </a:prstGeom>
+          <a:ln w="57150">
+            <a:gradFill flip="none" rotWithShape="1">
+              <a:gsLst>
+                <a:gs pos="0">
+                  <a:schemeClr val="accent1">
+                    <a:lumMod val="5000"/>
+                    <a:lumOff val="95000"/>
+                  </a:schemeClr>
+                </a:gs>
+                <a:gs pos="74000">
+                  <a:schemeClr val="accent1">
+                    <a:lumMod val="45000"/>
+                    <a:lumOff val="55000"/>
+                  </a:schemeClr>
+                </a:gs>
+                <a:gs pos="83000">
+                  <a:schemeClr val="accent1">
+                    <a:lumMod val="45000"/>
+                    <a:lumOff val="55000"/>
+                  </a:schemeClr>
+                </a:gs>
+                <a:gs pos="100000">
+                  <a:schemeClr val="accent1">
+                    <a:lumMod val="30000"/>
+                    <a:lumOff val="70000"/>
+                  </a:schemeClr>
+                </a:gs>
+              </a:gsLst>
+              <a:path path="circle">
+                <a:fillToRect l="100000" t="100000"/>
+              </a:path>
+              <a:tileRect r="-100000" b="-100000"/>
+            </a:gradFill>
+          </a:ln>
+        </p:spPr>
+        <p:style>
+          <a:lnRef idx="3">
+            <a:schemeClr val="accent1"/>
+          </a:lnRef>
+          <a:fillRef idx="0">
+            <a:schemeClr val="accent1"/>
+          </a:fillRef>
+          <a:effectRef idx="2">
+            <a:schemeClr val="accent1"/>
+          </a:effectRef>
+          <a:fontRef idx="minor">
+            <a:schemeClr val="tx1"/>
+          </a:fontRef>
+        </p:style>
+      </p:cxnSp>
+      <p:cxnSp>
+        <p:nvCxnSpPr>
+          <p:cNvPr id="6" name="Straight Connector 5"/>
+          <p:cNvCxnSpPr/>
+          <p:nvPr/>
+        </p:nvCxnSpPr>
+        <p:spPr>
+          <a:xfrm flipH="1">
+            <a:off x="983877" y="682421"/>
+            <a:ext cx="6723" cy="4888385"/>
+          </a:xfrm>
+          <a:prstGeom prst="line">
+            <a:avLst/>
+          </a:prstGeom>
+          <a:ln w="57150">
+            <a:gradFill flip="none" rotWithShape="1">
+              <a:gsLst>
+                <a:gs pos="0">
+                  <a:schemeClr val="accent1">
+                    <a:lumMod val="5000"/>
+                    <a:lumOff val="95000"/>
+                  </a:schemeClr>
+                </a:gs>
+                <a:gs pos="74000">
+                  <a:schemeClr val="accent1">
+                    <a:lumMod val="45000"/>
+                    <a:lumOff val="55000"/>
+                  </a:schemeClr>
+                </a:gs>
+                <a:gs pos="83000">
+                  <a:schemeClr val="accent1">
+                    <a:lumMod val="45000"/>
+                    <a:lumOff val="55000"/>
+                  </a:schemeClr>
+                </a:gs>
+                <a:gs pos="100000">
+                  <a:schemeClr val="accent1">
+                    <a:lumMod val="30000"/>
+                    <a:lumOff val="70000"/>
+                  </a:schemeClr>
+                </a:gs>
+              </a:gsLst>
+              <a:path path="circle">
+                <a:fillToRect l="100000" t="100000"/>
+              </a:path>
+              <a:tileRect r="-100000" b="-100000"/>
+            </a:gradFill>
+          </a:ln>
+        </p:spPr>
+        <p:style>
+          <a:lnRef idx="3">
+            <a:schemeClr val="accent1"/>
+          </a:lnRef>
+          <a:fillRef idx="0">
+            <a:schemeClr val="accent1"/>
+          </a:fillRef>
+          <a:effectRef idx="2">
+            <a:schemeClr val="accent1"/>
+          </a:effectRef>
+          <a:fontRef idx="minor">
+            <a:schemeClr val="tx1"/>
+          </a:fontRef>
+        </p:style>
+      </p:cxnSp>
+      <p:pic>
+        <p:nvPicPr>
+          <p:cNvPr id="7" name="Picture 6"/>
+          <p:cNvPicPr>
+            <a:picLocks noChangeAspect="1"/>
+          </p:cNvPicPr>
+          <p:nvPr/>
+        </p:nvPicPr>
+        <p:blipFill>
+          <a:blip r:embed="rId2">
+            <a:extLst>
+              <a:ext uri="{28A0092B-C50C-407E-A947-70E740481C1C}">
+                <a14:useLocalDpi xmlns:a14="http://schemas.microsoft.com/office/drawing/2010/main" val="0"/>
+              </a:ext>
+            </a:extLst>
+          </a:blip>
+          <a:stretch>
+            <a:fillRect/>
+          </a:stretch>
+        </p:blipFill>
+        <p:spPr>
+          <a:xfrm>
+            <a:off x="3372972" y="1253887"/>
+            <a:ext cx="7142628" cy="5410464"/>
+          </a:xfrm>
+          <a:prstGeom prst="rect">
+            <a:avLst/>
+          </a:prstGeom>
+        </p:spPr>
+      </p:pic>
     </p:spTree>
     <p:extLst>
       <p:ext uri="{BB962C8B-B14F-4D97-AF65-F5344CB8AC3E}">
-        <p14:creationId xmlns:p14="http://schemas.microsoft.com/office/powerpoint/2010/main" val="3636398040"/>
+        <p14:creationId xmlns:p14="http://schemas.microsoft.com/office/powerpoint/2010/main" val="239653503"/>
       </p:ext>
     </p:extLst>
   </p:cSld>
   <p:clrMapOvr>
     <a:masterClrMapping/>
   </p:clrMapOvr>
+  <p:timing>
+    <p:tnLst>
+      <p:par>
+        <p:cTn id="1" dur="indefinite" restart="never" nodeType="tmRoot"/>
+      </p:par>
+    </p:tnLst>
+  </p:timing>
 </p:sld>
 </file>
 
@@ -9833,7 +10018,12 @@
             <p:ph type="title"/>
           </p:nvPr>
         </p:nvSpPr>
-        <p:spPr/>
+        <p:spPr>
+          <a:xfrm>
+            <a:off x="618565" y="365125"/>
+            <a:ext cx="10735235" cy="1325563"/>
+          </a:xfrm>
+        </p:spPr>
         <p:txBody>
           <a:bodyPr/>
           <a:lstStyle/>
@@ -9847,89 +10037,193 @@
                   </a:schemeClr>
                 </a:solidFill>
               </a:rPr>
-              <a:t>What is RP</a:t>
-            </a:r>
-            <a:endParaRPr lang="en-US" dirty="0"/>
+              <a:t>    Parent </a:t>
+            </a:r>
+            <a:r>
+              <a:rPr lang="en-US" b="1" dirty="0" smtClean="0">
+                <a:solidFill>
+                  <a:schemeClr val="accent5">
+                    <a:lumMod val="60000"/>
+                    <a:lumOff val="40000"/>
+                  </a:schemeClr>
+                </a:solidFill>
+                <a:sym typeface="Wingdings" panose="05000000000000000000" pitchFamily="2" charset="2"/>
+              </a:rPr>
+              <a:t> Child </a:t>
+            </a:r>
+            <a:r>
+              <a:rPr lang="en-US" b="1" dirty="0" smtClean="0">
+                <a:solidFill>
+                  <a:schemeClr val="accent5">
+                    <a:lumMod val="60000"/>
+                    <a:lumOff val="40000"/>
+                  </a:schemeClr>
+                </a:solidFill>
+                <a:sym typeface="Wingdings" panose="05000000000000000000" pitchFamily="2" charset="2"/>
+              </a:rPr>
+              <a:t>|| @Output &amp; EventEmit</a:t>
+            </a:r>
+            <a:endParaRPr lang="en-US" dirty="0">
+              <a:ln w="0"/>
+              <a:solidFill>
+                <a:schemeClr val="accent1"/>
+              </a:solidFill>
+              <a:effectLst>
+                <a:outerShdw blurRad="38100" dist="25400" dir="5400000" algn="ctr" rotWithShape="0">
+                  <a:srgbClr val="6E747A">
+                    <a:alpha val="43000"/>
+                  </a:srgbClr>
+                </a:outerShdw>
+              </a:effectLst>
+            </a:endParaRPr>
           </a:p>
         </p:txBody>
       </p:sp>
-      <p:sp>
-        <p:nvSpPr>
-          <p:cNvPr id="3" name="Content Placeholder 2"/>
-          <p:cNvSpPr>
-            <a:spLocks noGrp="1"/>
-          </p:cNvSpPr>
-          <p:nvPr>
-            <p:ph idx="1"/>
-          </p:nvPr>
-        </p:nvSpPr>
-        <p:spPr/>
-        <p:txBody>
-          <a:bodyPr/>
-          <a:lstStyle/>
-          <a:p>
-            <a:r>
-              <a:rPr lang="en-US" dirty="0" smtClean="0"/>
-              <a:t>Allow us to manipulate </a:t>
-            </a:r>
-            <a:r>
-              <a:rPr lang="en-US" b="1" dirty="0" smtClean="0"/>
-              <a:t>streams</a:t>
-            </a:r>
-            <a:r>
-              <a:rPr lang="en-US" dirty="0" smtClean="0"/>
-              <a:t> </a:t>
-            </a:r>
-            <a:r>
-              <a:rPr lang="en-US" b="1" dirty="0" smtClean="0"/>
-              <a:t>of data </a:t>
-            </a:r>
-            <a:r>
-              <a:rPr lang="en-US" dirty="0" smtClean="0"/>
-              <a:t>using </a:t>
-            </a:r>
-            <a:r>
-              <a:rPr lang="en-US" b="1" dirty="0" smtClean="0"/>
-              <a:t>functions</a:t>
-            </a:r>
-            <a:r>
-              <a:rPr lang="en-US" dirty="0" smtClean="0"/>
-              <a:t>.</a:t>
-            </a:r>
-          </a:p>
-          <a:p>
-            <a:r>
-              <a:rPr lang="en-US" dirty="0" smtClean="0"/>
-              <a:t>Every thing mean to happens </a:t>
-            </a:r>
-            <a:r>
-              <a:rPr lang="en-US" b="1" dirty="0" smtClean="0"/>
-              <a:t>asynchronously</a:t>
-            </a:r>
-            <a:r>
-              <a:rPr lang="en-US" dirty="0" smtClean="0"/>
-              <a:t>.</a:t>
-            </a:r>
-          </a:p>
-          <a:p>
-            <a:r>
-              <a:rPr lang="en-US" dirty="0" smtClean="0"/>
-              <a:t>One processor(place) starts to do some operations on part of streams data, that result being consumed by other place.</a:t>
-            </a:r>
-            <a:endParaRPr lang="en-US" dirty="0"/>
-          </a:p>
-        </p:txBody>
-      </p:sp>
+      <p:cxnSp>
+        <p:nvCxnSpPr>
+          <p:cNvPr id="5" name="Straight Connector 4"/>
+          <p:cNvCxnSpPr/>
+          <p:nvPr/>
+        </p:nvCxnSpPr>
+        <p:spPr>
+          <a:xfrm>
+            <a:off x="407963" y="1294228"/>
+            <a:ext cx="8961120" cy="28135"/>
+          </a:xfrm>
+          <a:prstGeom prst="line">
+            <a:avLst/>
+          </a:prstGeom>
+          <a:ln w="57150">
+            <a:gradFill flip="none" rotWithShape="1">
+              <a:gsLst>
+                <a:gs pos="0">
+                  <a:schemeClr val="accent1">
+                    <a:lumMod val="5000"/>
+                    <a:lumOff val="95000"/>
+                  </a:schemeClr>
+                </a:gs>
+                <a:gs pos="74000">
+                  <a:schemeClr val="accent1">
+                    <a:lumMod val="45000"/>
+                    <a:lumOff val="55000"/>
+                  </a:schemeClr>
+                </a:gs>
+                <a:gs pos="83000">
+                  <a:schemeClr val="accent1">
+                    <a:lumMod val="45000"/>
+                    <a:lumOff val="55000"/>
+                  </a:schemeClr>
+                </a:gs>
+                <a:gs pos="100000">
+                  <a:schemeClr val="accent1">
+                    <a:lumMod val="30000"/>
+                    <a:lumOff val="70000"/>
+                  </a:schemeClr>
+                </a:gs>
+              </a:gsLst>
+              <a:path path="circle">
+                <a:fillToRect l="100000" t="100000"/>
+              </a:path>
+              <a:tileRect r="-100000" b="-100000"/>
+            </a:gradFill>
+          </a:ln>
+        </p:spPr>
+        <p:style>
+          <a:lnRef idx="3">
+            <a:schemeClr val="accent1"/>
+          </a:lnRef>
+          <a:fillRef idx="0">
+            <a:schemeClr val="accent1"/>
+          </a:fillRef>
+          <a:effectRef idx="2">
+            <a:schemeClr val="accent1"/>
+          </a:effectRef>
+          <a:fontRef idx="minor">
+            <a:schemeClr val="tx1"/>
+          </a:fontRef>
+        </p:style>
+      </p:cxnSp>
+      <p:cxnSp>
+        <p:nvCxnSpPr>
+          <p:cNvPr id="6" name="Straight Connector 5"/>
+          <p:cNvCxnSpPr/>
+          <p:nvPr/>
+        </p:nvCxnSpPr>
+        <p:spPr>
+          <a:xfrm flipH="1">
+            <a:off x="983877" y="682421"/>
+            <a:ext cx="6723" cy="4888385"/>
+          </a:xfrm>
+          <a:prstGeom prst="line">
+            <a:avLst/>
+          </a:prstGeom>
+          <a:ln w="57150">
+            <a:gradFill flip="none" rotWithShape="1">
+              <a:gsLst>
+                <a:gs pos="0">
+                  <a:schemeClr val="accent1">
+                    <a:lumMod val="5000"/>
+                    <a:lumOff val="95000"/>
+                  </a:schemeClr>
+                </a:gs>
+                <a:gs pos="74000">
+                  <a:schemeClr val="accent1">
+                    <a:lumMod val="45000"/>
+                    <a:lumOff val="55000"/>
+                  </a:schemeClr>
+                </a:gs>
+                <a:gs pos="83000">
+                  <a:schemeClr val="accent1">
+                    <a:lumMod val="45000"/>
+                    <a:lumOff val="55000"/>
+                  </a:schemeClr>
+                </a:gs>
+                <a:gs pos="100000">
+                  <a:schemeClr val="accent1">
+                    <a:lumMod val="30000"/>
+                    <a:lumOff val="70000"/>
+                  </a:schemeClr>
+                </a:gs>
+              </a:gsLst>
+              <a:path path="circle">
+                <a:fillToRect l="100000" t="100000"/>
+              </a:path>
+              <a:tileRect r="-100000" b="-100000"/>
+            </a:gradFill>
+          </a:ln>
+        </p:spPr>
+        <p:style>
+          <a:lnRef idx="3">
+            <a:schemeClr val="accent1"/>
+          </a:lnRef>
+          <a:fillRef idx="0">
+            <a:schemeClr val="accent1"/>
+          </a:fillRef>
+          <a:effectRef idx="2">
+            <a:schemeClr val="accent1"/>
+          </a:effectRef>
+          <a:fontRef idx="minor">
+            <a:schemeClr val="tx1"/>
+          </a:fontRef>
+        </p:style>
+      </p:cxnSp>
     </p:spTree>
     <p:extLst>
       <p:ext uri="{BB962C8B-B14F-4D97-AF65-F5344CB8AC3E}">
-        <p14:creationId xmlns:p14="http://schemas.microsoft.com/office/powerpoint/2010/main" val="3320281481"/>
+        <p14:creationId xmlns:p14="http://schemas.microsoft.com/office/powerpoint/2010/main" val="3268783044"/>
       </p:ext>
     </p:extLst>
   </p:cSld>
   <p:clrMapOvr>
     <a:masterClrMapping/>
   </p:clrMapOvr>
+  <p:timing>
+    <p:tnLst>
+      <p:par>
+        <p:cTn id="1" dur="indefinite" restart="never" nodeType="tmRoot"/>
+      </p:par>
+    </p:tnLst>
+  </p:timing>
 </p:sld>
 </file>
 
@@ -9966,7 +10260,7 @@
           <a:lstStyle/>
           <a:p>
             <a:r>
-              <a:rPr lang="en-US" b="1" dirty="0" smtClean="0">
+              <a:rPr lang="en-US" b="1" dirty="0">
                 <a:solidFill>
                   <a:schemeClr val="accent5">
                     <a:lumMod val="60000"/>
@@ -9974,7 +10268,7 @@
                   </a:schemeClr>
                 </a:solidFill>
               </a:rPr>
-              <a:t>When to use RP</a:t>
+              <a:t>Reactive Programming</a:t>
             </a:r>
             <a:endParaRPr lang="en-US" dirty="0"/>
           </a:p>
@@ -9982,12 +10276,12 @@
       </p:sp>
       <p:sp>
         <p:nvSpPr>
-          <p:cNvPr id="3" name="Content Placeholder 2"/>
+          <p:cNvPr id="3" name="Text Placeholder 2"/>
           <p:cNvSpPr>
             <a:spLocks noGrp="1"/>
           </p:cNvSpPr>
           <p:nvPr>
-            <p:ph idx="1"/>
+            <p:ph type="body" idx="1"/>
           </p:nvPr>
         </p:nvSpPr>
         <p:spPr/>
@@ -9996,74 +10290,183 @@
           <a:lstStyle/>
           <a:p>
             <a:r>
+              <a:rPr lang="en-US" dirty="0" smtClean="0"/>
+              <a:t>Im</a:t>
+            </a:r>
+            <a:r>
+              <a:rPr lang="en-US" sz="3200" dirty="0" smtClean="0"/>
+              <a:t>p</a:t>
+            </a:r>
+            <a:r>
+              <a:rPr lang="en-US" dirty="0" smtClean="0"/>
+              <a:t>erative Programming (java)</a:t>
+            </a:r>
+            <a:endParaRPr lang="en-US" dirty="0"/>
+          </a:p>
+        </p:txBody>
+      </p:sp>
+      <p:sp>
+        <p:nvSpPr>
+          <p:cNvPr id="4" name="Content Placeholder 3"/>
+          <p:cNvSpPr>
+            <a:spLocks noGrp="1"/>
+          </p:cNvSpPr>
+          <p:nvPr>
+            <p:ph sz="half" idx="2"/>
+          </p:nvPr>
+        </p:nvSpPr>
+        <p:spPr/>
+        <p:txBody>
+          <a:bodyPr/>
+          <a:lstStyle/>
+          <a:p>
+            <a:pPr marL="514350" indent="-514350">
+              <a:buFont typeface="+mj-lt"/>
+              <a:buAutoNum type="arabicPeriod"/>
+            </a:pPr>
+            <a:r>
+              <a:rPr lang="en-US" dirty="0" smtClean="0"/>
+              <a:t>How program works</a:t>
+            </a:r>
+          </a:p>
+          <a:p>
+            <a:pPr marL="514350" indent="-514350">
+              <a:buFont typeface="+mj-lt"/>
+              <a:buAutoNum type="arabicPeriod"/>
+            </a:pPr>
+            <a:r>
+              <a:rPr lang="en-US" dirty="0" smtClean="0"/>
+              <a:t>Easy learning curve</a:t>
+            </a:r>
+          </a:p>
+          <a:p>
+            <a:pPr marL="514350" indent="-514350">
+              <a:buFont typeface="+mj-lt"/>
+              <a:buAutoNum type="arabicPeriod"/>
+            </a:pPr>
+            <a:r>
+              <a:rPr lang="en-US" dirty="0" smtClean="0"/>
+              <a:t>Functions, conditions, loops, OOP concepts</a:t>
+            </a:r>
+          </a:p>
+          <a:p>
+            <a:pPr marL="514350" indent="-514350">
+              <a:buFont typeface="+mj-lt"/>
+              <a:buAutoNum type="arabicPeriod"/>
+            </a:pPr>
+            <a:r>
+              <a:rPr lang="en-US" dirty="0" smtClean="0"/>
+              <a:t>Statements can change the </a:t>
+            </a:r>
+            <a:r>
               <a:rPr lang="en-US" b="1" dirty="0" smtClean="0"/>
-              <a:t>Prerequisites</a:t>
+              <a:t>state</a:t>
             </a:r>
             <a:r>
               <a:rPr lang="en-US" dirty="0" smtClean="0"/>
-              <a:t>: data should comes as stream, good knowledge in functional programming, Asynchronous observers (non-blocking).</a:t>
-            </a:r>
-          </a:p>
-          <a:p>
-            <a:r>
-              <a:rPr lang="en-US" dirty="0" smtClean="0"/>
-              <a:t>Can use anywhere, where it take time to process the request.</a:t>
+              <a:t> of the program</a:t>
             </a:r>
           </a:p>
           <a:p>
             <a:pPr lvl="1"/>
-            <a:r>
-              <a:rPr lang="en-US" dirty="0" smtClean="0"/>
-              <a:t>Example: </a:t>
-            </a:r>
             <a:r>
               <a:rPr lang="en-US" dirty="0" smtClean="0">
                 <a:solidFill>
-                  <a:schemeClr val="bg1">
-                    <a:lumMod val="65000"/>
-                  </a:schemeClr>
+                  <a:srgbClr val="FFC000"/>
                 </a:solidFill>
               </a:rPr>
-              <a:t>calling rest API over http to </a:t>
+              <a:t>If(x%2==0 || x% 3 ==0 ) </a:t>
             </a:r>
             <a:r>
               <a:rPr lang="en-US" dirty="0" smtClean="0"/>
-              <a:t>fetch some data and </a:t>
-            </a:r>
-            <a:r>
-              <a:rPr lang="en-US" b="1" dirty="0" smtClean="0"/>
-              <a:t>filter</a:t>
-            </a:r>
+              <a:t>list.add(x)</a:t>
+            </a:r>
+            <a:endParaRPr lang="en-US" dirty="0"/>
+          </a:p>
+        </p:txBody>
+      </p:sp>
+      <p:sp>
+        <p:nvSpPr>
+          <p:cNvPr id="5" name="Text Placeholder 4"/>
+          <p:cNvSpPr>
+            <a:spLocks noGrp="1"/>
+          </p:cNvSpPr>
+          <p:nvPr>
+            <p:ph type="body" sz="quarter" idx="3"/>
+          </p:nvPr>
+        </p:nvSpPr>
+        <p:spPr/>
+        <p:txBody>
+          <a:bodyPr/>
+          <a:lstStyle/>
+          <a:p>
             <a:r>
               <a:rPr lang="en-US" dirty="0" smtClean="0"/>
-              <a:t> and populate on UI.</a:t>
+              <a:t>Functional Programming (JS)</a:t>
+            </a:r>
+            <a:endParaRPr lang="en-US" dirty="0"/>
+          </a:p>
+        </p:txBody>
+      </p:sp>
+      <p:sp>
+        <p:nvSpPr>
+          <p:cNvPr id="6" name="Content Placeholder 5"/>
+          <p:cNvSpPr>
+            <a:spLocks noGrp="1"/>
+          </p:cNvSpPr>
+          <p:nvPr>
+            <p:ph sz="quarter" idx="4"/>
+          </p:nvPr>
+        </p:nvSpPr>
+        <p:spPr/>
+        <p:txBody>
+          <a:bodyPr/>
+          <a:lstStyle/>
+          <a:p>
+            <a:r>
+              <a:rPr lang="en-US" dirty="0" smtClean="0"/>
+              <a:t>What to solve</a:t>
+            </a:r>
+          </a:p>
+          <a:p>
+            <a:r>
+              <a:rPr lang="en-US" dirty="0" smtClean="0"/>
+              <a:t>Long learning curve &amp; migrations</a:t>
+            </a:r>
+          </a:p>
+          <a:p>
+            <a:r>
+              <a:rPr lang="en-US" dirty="0"/>
+              <a:t>Ideally to be </a:t>
+            </a:r>
+            <a:r>
+              <a:rPr lang="en-US" b="1" dirty="0"/>
+              <a:t>stateless</a:t>
+            </a:r>
+            <a:r>
+              <a:rPr lang="en-US" dirty="0"/>
+              <a:t> </a:t>
+            </a:r>
+            <a:endParaRPr lang="en-US" dirty="0" smtClean="0"/>
+          </a:p>
+          <a:p>
+            <a:r>
+              <a:rPr lang="en-US" dirty="0" smtClean="0"/>
+              <a:t>Use functions to create expressions rather than statements.</a:t>
             </a:r>
           </a:p>
           <a:p>
             <a:pPr lvl="1"/>
             <a:r>
-              <a:rPr lang="en-US" dirty="0" smtClean="0"/>
-              <a:t>Observer can wait for </a:t>
-            </a:r>
-            <a:r>
-              <a:rPr lang="en-US" b="1" dirty="0" smtClean="0"/>
-              <a:t>notification</a:t>
-            </a:r>
-            <a:r>
-              <a:rPr lang="en-US" dirty="0" smtClean="0"/>
-              <a:t> when ever notification comes you can logit, until you don’t need to block other processes.</a:t>
-            </a:r>
-          </a:p>
-          <a:p>
-            <a:pPr lvl="1"/>
-            <a:r>
-              <a:rPr lang="en-US" b="1" dirty="0" smtClean="0"/>
-              <a:t>Fetching</a:t>
-            </a:r>
-            <a:r>
-              <a:rPr lang="en-US" dirty="0" smtClean="0"/>
-              <a:t> data asynchronously so can do some other tasks at that time.</a:t>
-            </a:r>
+              <a:rPr lang="en-US" dirty="0" smtClean="0">
+                <a:solidFill>
+                  <a:srgbClr val="FFC000"/>
+                </a:solidFill>
+              </a:rPr>
+              <a:t>var filter=x=&gt;{return x%2==0 || x%3==0}</a:t>
+            </a:r>
+          </a:p>
+          <a:p>
             <a:endParaRPr lang="en-US" dirty="0"/>
           </a:p>
         </p:txBody>
@@ -10071,7 +10474,7 @@
     </p:spTree>
     <p:extLst>
       <p:ext uri="{BB962C8B-B14F-4D97-AF65-F5344CB8AC3E}">
-        <p14:creationId xmlns:p14="http://schemas.microsoft.com/office/powerpoint/2010/main" val="41351591"/>
+        <p14:creationId xmlns:p14="http://schemas.microsoft.com/office/powerpoint/2010/main" val="3636398040"/>
       </p:ext>
     </p:extLst>
   </p:cSld>
@@ -10122,7 +10525,7 @@
                   </a:schemeClr>
                 </a:solidFill>
               </a:rPr>
-              <a:t>RP</a:t>
+              <a:t>What is RP</a:t>
             </a:r>
             <a:endParaRPr lang="en-US" dirty="0"/>
           </a:p>
@@ -10140,232 +10543,79 @@
         </p:nvSpPr>
         <p:spPr/>
         <p:txBody>
-          <a:bodyPr>
-            <a:normAutofit lnSpcReduction="10000"/>
-          </a:bodyPr>
+          <a:bodyPr/>
           <a:lstStyle/>
           <a:p>
             <a:r>
               <a:rPr lang="en-US" dirty="0" smtClean="0"/>
-              <a:t>Source (stream) who </a:t>
-            </a:r>
-            <a:r>
-              <a:rPr lang="en-US" dirty="0" smtClean="0">
-                <a:solidFill>
-                  <a:srgbClr val="FFC000"/>
-                </a:solidFill>
-              </a:rPr>
-              <a:t>emit the data </a:t>
+              <a:t>Way of programming a</a:t>
             </a:r>
             <a:r>
               <a:rPr lang="en-US" dirty="0" smtClean="0"/>
-              <a:t>is </a:t>
+              <a:t>llow </a:t>
+            </a:r>
+            <a:r>
+              <a:rPr lang="en-US" dirty="0" smtClean="0"/>
+              <a:t>us to manipulate </a:t>
             </a:r>
             <a:r>
               <a:rPr lang="en-US" b="1" dirty="0" smtClean="0"/>
-              <a:t>Subject</a:t>
-            </a:r>
-          </a:p>
-          <a:p>
-            <a:endParaRPr lang="en-US" b="1" dirty="0" smtClean="0"/>
-          </a:p>
-          <a:p>
-            <a:endParaRPr lang="en-US" b="1" dirty="0" smtClean="0"/>
-          </a:p>
-          <a:p>
+              <a:t>streams</a:t>
+            </a:r>
             <a:r>
               <a:rPr lang="en-US" dirty="0" smtClean="0"/>
-              <a:t>Entity who </a:t>
-            </a:r>
-            <a:r>
-              <a:rPr lang="en-US" b="1" dirty="0" smtClean="0">
-                <a:solidFill>
-                  <a:srgbClr val="92D050"/>
-                </a:solidFill>
-              </a:rPr>
-              <a:t>subscribed</a:t>
-            </a:r>
-            <a:r>
-              <a:rPr lang="en-US" dirty="0" smtClean="0">
-                <a:solidFill>
-                  <a:srgbClr val="92D050"/>
-                </a:solidFill>
-              </a:rPr>
-              <a:t> to the subject to </a:t>
-            </a:r>
-            <a:r>
-              <a:rPr lang="en-US" b="1" dirty="0" smtClean="0">
-                <a:solidFill>
-                  <a:srgbClr val="92D050"/>
-                </a:solidFill>
-              </a:rPr>
-              <a:t>consume</a:t>
-            </a:r>
-            <a:r>
-              <a:rPr lang="en-US" dirty="0" smtClean="0">
-                <a:solidFill>
-                  <a:srgbClr val="92D050"/>
-                </a:solidFill>
-              </a:rPr>
-              <a:t> the data </a:t>
+              <a:t> </a:t>
+            </a:r>
+            <a:r>
+              <a:rPr lang="en-US" b="1" dirty="0" smtClean="0"/>
+              <a:t>of data </a:t>
             </a:r>
             <a:r>
               <a:rPr lang="en-US" dirty="0" smtClean="0"/>
-              <a:t>is </a:t>
+              <a:t>using </a:t>
             </a:r>
             <a:r>
               <a:rPr lang="en-US" b="1" dirty="0" smtClean="0"/>
-              <a:t>Observer</a:t>
-            </a:r>
-          </a:p>
-          <a:p>
-            <a:endParaRPr lang="en-US" b="1" dirty="0"/>
-          </a:p>
-          <a:p>
-            <a:endParaRPr lang="en-US" b="1" dirty="0" smtClean="0"/>
-          </a:p>
-          <a:p>
-            <a:endParaRPr lang="en-US" b="1" dirty="0"/>
-          </a:p>
-          <a:p>
-            <a:r>
-              <a:rPr lang="en-US" sz="2600" dirty="0" err="1" smtClean="0"/>
-              <a:t>RxJava</a:t>
-            </a:r>
-            <a:r>
-              <a:rPr lang="en-US" sz="2600" dirty="0" smtClean="0"/>
-              <a:t>, </a:t>
-            </a:r>
-            <a:r>
-              <a:rPr lang="en-US" sz="2600" dirty="0" err="1" smtClean="0"/>
-              <a:t>RxJs</a:t>
-            </a:r>
-            <a:r>
-              <a:rPr lang="en-US" sz="2600" dirty="0" smtClean="0"/>
-              <a:t>, </a:t>
-            </a:r>
-            <a:r>
-              <a:rPr lang="en-US" sz="2600" dirty="0" err="1" smtClean="0"/>
-              <a:t>Rx.Net</a:t>
-            </a:r>
-            <a:r>
-              <a:rPr lang="en-US" sz="2600" dirty="0"/>
-              <a:t> </a:t>
-            </a:r>
-            <a:r>
-              <a:rPr lang="en-US" sz="2600" dirty="0" smtClean="0"/>
-              <a:t>using these libraries we can do RP in java, JS, </a:t>
-            </a:r>
-            <a:r>
-              <a:rPr lang="en-US" sz="2600" dirty="0" err="1" smtClean="0"/>
-              <a:t>.net</a:t>
-            </a:r>
-            <a:r>
-              <a:rPr lang="en-US" sz="2600" dirty="0" smtClean="0"/>
-              <a:t>.     for </a:t>
-            </a:r>
-            <a:r>
-              <a:rPr lang="en-US" sz="2600" dirty="0" smtClean="0">
-                <a:sym typeface="Wingdings" panose="05000000000000000000" pitchFamily="2" charset="2"/>
-              </a:rPr>
-              <a:t>Angular </a:t>
-            </a:r>
-            <a:r>
-              <a:rPr lang="en-US" sz="2600" dirty="0" err="1" smtClean="0">
-                <a:sym typeface="Wingdings" panose="05000000000000000000" pitchFamily="2" charset="2"/>
-              </a:rPr>
-              <a:t>NgRx</a:t>
-            </a:r>
-            <a:r>
-              <a:rPr lang="en-US" sz="2600" dirty="0" smtClean="0">
-                <a:sym typeface="Wingdings" panose="05000000000000000000" pitchFamily="2" charset="2"/>
-              </a:rPr>
-              <a:t> is the library which contains extra features.</a:t>
-            </a:r>
-            <a:endParaRPr lang="en-US" sz="2600" dirty="0" smtClean="0"/>
-          </a:p>
-          <a:p>
-            <a:endParaRPr lang="en-US" dirty="0"/>
+              <a:t>functions</a:t>
+            </a:r>
+            <a:r>
+              <a:rPr lang="en-US" dirty="0" smtClean="0"/>
+              <a:t>.</a:t>
+            </a:r>
+          </a:p>
+          <a:p>
+            <a:r>
+              <a:rPr lang="en-US" dirty="0" smtClean="0"/>
+              <a:t>Every thing mean to happens </a:t>
+            </a:r>
+            <a:r>
+              <a:rPr lang="en-US" b="1" dirty="0" smtClean="0"/>
+              <a:t>asynchronously</a:t>
+            </a:r>
+            <a:r>
+              <a:rPr lang="en-US" dirty="0" smtClean="0"/>
+              <a:t>.</a:t>
+            </a:r>
+          </a:p>
+          <a:p>
+            <a:r>
+              <a:rPr lang="en-US" i="1" dirty="0" smtClean="0"/>
+              <a:t>One processor(place) starts to do some operations on part of streams data, that result being consumed by other place.</a:t>
+            </a:r>
+            <a:endParaRPr lang="en-US" i="1" dirty="0"/>
           </a:p>
         </p:txBody>
       </p:sp>
-      <p:pic>
-        <p:nvPicPr>
-          <p:cNvPr id="5" name="Picture 4"/>
-          <p:cNvPicPr>
-            <a:picLocks noChangeAspect="1"/>
-          </p:cNvPicPr>
-          <p:nvPr/>
-        </p:nvPicPr>
-        <p:blipFill>
-          <a:blip r:embed="rId2">
-            <a:extLst>
-              <a:ext uri="{28A0092B-C50C-407E-A947-70E740481C1C}">
-                <a14:useLocalDpi xmlns:a14="http://schemas.microsoft.com/office/drawing/2010/main" val="0"/>
-              </a:ext>
-            </a:extLst>
-          </a:blip>
-          <a:stretch>
-            <a:fillRect/>
-          </a:stretch>
-        </p:blipFill>
-        <p:spPr>
-          <a:xfrm rot="20945866">
-            <a:off x="1465449" y="3343276"/>
-            <a:ext cx="5495925" cy="2000250"/>
-          </a:xfrm>
-          <a:prstGeom prst="rect">
-            <a:avLst/>
-          </a:prstGeom>
-        </p:spPr>
-      </p:pic>
-      <p:pic>
-        <p:nvPicPr>
-          <p:cNvPr id="6" name="Picture 5"/>
-          <p:cNvPicPr>
-            <a:picLocks noChangeAspect="1"/>
-          </p:cNvPicPr>
-          <p:nvPr/>
-        </p:nvPicPr>
-        <p:blipFill>
-          <a:blip r:embed="rId3">
-            <a:extLst>
-              <a:ext uri="{28A0092B-C50C-407E-A947-70E740481C1C}">
-                <a14:useLocalDpi xmlns:a14="http://schemas.microsoft.com/office/drawing/2010/main" val="0"/>
-              </a:ext>
-            </a:extLst>
-          </a:blip>
-          <a:stretch>
-            <a:fillRect/>
-          </a:stretch>
-        </p:blipFill>
-        <p:spPr>
-          <a:xfrm rot="20934801">
-            <a:off x="1463977" y="1841469"/>
-            <a:ext cx="5495925" cy="2000250"/>
-          </a:xfrm>
-          <a:prstGeom prst="rect">
-            <a:avLst/>
-          </a:prstGeom>
-        </p:spPr>
-      </p:pic>
     </p:spTree>
     <p:extLst>
       <p:ext uri="{BB962C8B-B14F-4D97-AF65-F5344CB8AC3E}">
-        <p14:creationId xmlns:p14="http://schemas.microsoft.com/office/powerpoint/2010/main" val="2008997488"/>
+        <p14:creationId xmlns:p14="http://schemas.microsoft.com/office/powerpoint/2010/main" val="3320281481"/>
       </p:ext>
     </p:extLst>
   </p:cSld>
   <p:clrMapOvr>
     <a:masterClrMapping/>
   </p:clrMapOvr>
-  <p:timing>
-    <p:tnLst>
-      <p:par>
-        <p:cTn id="1" dur="indefinite" restart="never" nodeType="tmRoot"/>
-      </p:par>
-    </p:tnLst>
-  </p:timing>
 </p:sld>
 </file>
 
@@ -10415,18 +10665,7 @@
                   </a:schemeClr>
                 </a:solidFill>
               </a:rPr>
-              <a:t> </a:t>
-            </a:r>
-            <a:r>
-              <a:rPr lang="en-US" b="1" dirty="0" smtClean="0">
-                <a:solidFill>
-                  <a:schemeClr val="accent5">
-                    <a:lumMod val="60000"/>
-                    <a:lumOff val="40000"/>
-                  </a:schemeClr>
-                </a:solidFill>
-              </a:rPr>
-              <a:t>   Binding </a:t>
+              <a:t>    Binding </a:t>
             </a:r>
             <a:r>
               <a:rPr lang="en-US" sz="3600" b="1" dirty="0" smtClean="0">
@@ -10793,43 +11032,6 @@
           <a:chExt cx="0" cy="0"/>
         </a:xfrm>
       </p:grpSpPr>
-      <p:pic>
-        <p:nvPicPr>
-          <p:cNvPr id="8" name="Picture 7"/>
-          <p:cNvPicPr>
-            <a:picLocks noChangeAspect="1"/>
-          </p:cNvPicPr>
-          <p:nvPr/>
-        </p:nvPicPr>
-        <p:blipFill>
-          <a:blip r:embed="rId2">
-            <a:extLst>
-              <a:ext uri="{28A0092B-C50C-407E-A947-70E740481C1C}">
-                <a14:useLocalDpi xmlns:a14="http://schemas.microsoft.com/office/drawing/2010/main" val="0"/>
-              </a:ext>
-            </a:extLst>
-          </a:blip>
-          <a:stretch>
-            <a:fillRect/>
-          </a:stretch>
-        </p:blipFill>
-        <p:spPr>
-          <a:xfrm rot="384718">
-            <a:off x="4226620" y="2126252"/>
-            <a:ext cx="5495925" cy="2000250"/>
-          </a:xfrm>
-          <a:prstGeom prst="rect">
-            <a:avLst/>
-          </a:prstGeom>
-          <a:blipFill dpi="0" rotWithShape="1">
-            <a:blip r:embed="rId3">
-              <a:alphaModFix amt="0"/>
-            </a:blip>
-            <a:srcRect/>
-            <a:tile tx="0" ty="0" sx="100000" sy="100000" flip="none" algn="tl"/>
-          </a:blipFill>
-        </p:spPr>
-      </p:pic>
       <p:sp>
         <p:nvSpPr>
           <p:cNvPr id="2" name="Title 1"/>
@@ -10846,17 +11048,6 @@
           <a:lstStyle/>
           <a:p>
             <a:r>
-              <a:rPr lang="en-US" b="1" dirty="0" err="1" smtClean="0">
-                <a:solidFill>
-                  <a:schemeClr val="accent5">
-                    <a:lumMod val="60000"/>
-                    <a:lumOff val="40000"/>
-                  </a:schemeClr>
-                </a:solidFill>
-              </a:rPr>
-              <a:t>RxJS</a:t>
-            </a:r>
-            <a:r>
               <a:rPr lang="en-US" b="1" dirty="0" smtClean="0">
                 <a:solidFill>
                   <a:schemeClr val="accent5">
@@ -10865,7 +11056,7 @@
                   </a:schemeClr>
                 </a:solidFill>
               </a:rPr>
-              <a:t> in Angular</a:t>
+              <a:t>When to use RP</a:t>
             </a:r>
             <a:endParaRPr lang="en-US" dirty="0"/>
           </a:p>
@@ -10883,93 +11074,77 @@
         </p:nvSpPr>
         <p:spPr/>
         <p:txBody>
-          <a:bodyPr>
-            <a:normAutofit/>
-          </a:bodyPr>
+          <a:bodyPr/>
           <a:lstStyle/>
           <a:p>
-            <a:pPr marL="514350" indent="-514350">
-              <a:buFont typeface="+mj-lt"/>
-              <a:buAutoNum type="arabicPeriod"/>
-            </a:pPr>
+            <a:r>
+              <a:rPr lang="en-US" b="1" dirty="0" smtClean="0"/>
+              <a:t>Prerequisites</a:t>
+            </a:r>
             <a:r>
               <a:rPr lang="en-US" dirty="0" smtClean="0"/>
-              <a:t>Streams</a:t>
+              <a:t>: data should comes as stream, good knowledge in functional programming, Asynchronous observers (non-blocking).</a:t>
+            </a:r>
+          </a:p>
+          <a:p>
+            <a:r>
+              <a:rPr lang="en-US" dirty="0" smtClean="0"/>
+              <a:t>Can use anywhere, where it take time to process the request.</a:t>
             </a:r>
           </a:p>
           <a:p>
             <a:pPr lvl="1"/>
             <a:r>
               <a:rPr lang="en-US" dirty="0" smtClean="0"/>
-              <a:t>Start(</a:t>
+              <a:t>Example: </a:t>
+            </a:r>
+            <a:r>
+              <a:rPr lang="en-US" dirty="0" smtClean="0">
+                <a:solidFill>
+                  <a:schemeClr val="bg1">
+                    <a:lumMod val="65000"/>
+                  </a:schemeClr>
+                </a:solidFill>
+              </a:rPr>
+              <a:t>calling rest API over http to </a:t>
+            </a:r>
+            <a:r>
+              <a:rPr lang="en-US" dirty="0" smtClean="0"/>
+              <a:t>fetch some data and </a:t>
             </a:r>
             <a:r>
               <a:rPr lang="en-US" b="1" dirty="0" smtClean="0"/>
-              <a:t>subscribe</a:t>
+              <a:t>filter</a:t>
             </a:r>
             <a:r>
               <a:rPr lang="en-US" dirty="0" smtClean="0"/>
-              <a:t>)</a:t>
-            </a:r>
-          </a:p>
-          <a:p>
-            <a:pPr lvl="2"/>
+              <a:t> and populate on UI.</a:t>
+            </a:r>
+          </a:p>
+          <a:p>
+            <a:pPr lvl="1"/>
             <a:r>
               <a:rPr lang="en-US" dirty="0" smtClean="0"/>
-              <a:t>Starts emitting data</a:t>
-            </a:r>
-          </a:p>
-          <a:p>
-            <a:pPr marL="514350" indent="-514350">
-              <a:buFont typeface="+mj-lt"/>
-              <a:buAutoNum type="arabicPeriod"/>
-            </a:pPr>
+              <a:t>Observer can wait for </a:t>
+            </a:r>
             <a:r>
               <a:rPr lang="en-US" b="1" dirty="0" smtClean="0"/>
-              <a:t>Observe</a:t>
+              <a:t>notification</a:t>
             </a:r>
             <a:r>
               <a:rPr lang="en-US" dirty="0" smtClean="0"/>
-              <a:t> the stream and do set of processes(observer)</a:t>
+              <a:t> when ever notification comes you can logit, until you don’t need to block other processes.</a:t>
             </a:r>
           </a:p>
           <a:p>
             <a:pPr lvl="1"/>
             <a:r>
+              <a:rPr lang="en-US" b="1" dirty="0" smtClean="0"/>
+              <a:t>Fetching</a:t>
+            </a:r>
+            <a:r>
               <a:rPr lang="en-US" dirty="0" smtClean="0"/>
-              <a:t>Get the next and process : next()</a:t>
-            </a:r>
-          </a:p>
-          <a:p>
-            <a:pPr lvl="1"/>
-            <a:r>
-              <a:rPr lang="en-US" dirty="0" smtClean="0"/>
-              <a:t>Handle if any error : error()</a:t>
-            </a:r>
-          </a:p>
-          <a:p>
-            <a:pPr lvl="1"/>
-            <a:r>
-              <a:rPr lang="en-US" dirty="0" smtClean="0"/>
-              <a:t>End of operation : complete()</a:t>
-            </a:r>
-          </a:p>
-          <a:p>
-            <a:pPr marL="514350" indent="-514350">
-              <a:buFont typeface="+mj-lt"/>
-              <a:buAutoNum type="arabicPeriod"/>
-            </a:pPr>
-            <a:r>
-              <a:rPr lang="en-US" dirty="0" smtClean="0"/>
-              <a:t>Stop (</a:t>
-            </a:r>
-            <a:r>
-              <a:rPr lang="en-US" b="1" dirty="0" smtClean="0"/>
-              <a:t>unsubscribe</a:t>
-            </a:r>
-            <a:r>
-              <a:rPr lang="en-US" dirty="0" smtClean="0"/>
-              <a:t>)</a:t>
+              <a:t> data asynchronously so can do some other tasks at that time.</a:t>
             </a:r>
             <a:endParaRPr lang="en-US" dirty="0"/>
           </a:p>
@@ -10978,20 +11153,13 @@
     </p:spTree>
     <p:extLst>
       <p:ext uri="{BB962C8B-B14F-4D97-AF65-F5344CB8AC3E}">
-        <p14:creationId xmlns:p14="http://schemas.microsoft.com/office/powerpoint/2010/main" val="3126180634"/>
+        <p14:creationId xmlns:p14="http://schemas.microsoft.com/office/powerpoint/2010/main" val="41351591"/>
       </p:ext>
     </p:extLst>
   </p:cSld>
   <p:clrMapOvr>
     <a:masterClrMapping/>
   </p:clrMapOvr>
-  <p:timing>
-    <p:tnLst>
-      <p:par>
-        <p:cTn id="1" dur="indefinite" restart="never" nodeType="tmRoot"/>
-      </p:par>
-    </p:tnLst>
-  </p:timing>
 </p:sld>
 </file>
 
@@ -11036,6 +11204,513 @@
                   </a:schemeClr>
                 </a:solidFill>
               </a:rPr>
+              <a:t>RP</a:t>
+            </a:r>
+            <a:endParaRPr lang="en-US" dirty="0"/>
+          </a:p>
+        </p:txBody>
+      </p:sp>
+      <p:sp>
+        <p:nvSpPr>
+          <p:cNvPr id="3" name="Content Placeholder 2"/>
+          <p:cNvSpPr>
+            <a:spLocks noGrp="1"/>
+          </p:cNvSpPr>
+          <p:nvPr>
+            <p:ph idx="1"/>
+          </p:nvPr>
+        </p:nvSpPr>
+        <p:spPr/>
+        <p:txBody>
+          <a:bodyPr>
+            <a:normAutofit lnSpcReduction="10000"/>
+          </a:bodyPr>
+          <a:lstStyle/>
+          <a:p>
+            <a:r>
+              <a:rPr lang="en-US" dirty="0" smtClean="0"/>
+              <a:t>Source (stream) who </a:t>
+            </a:r>
+            <a:r>
+              <a:rPr lang="en-US" dirty="0" smtClean="0">
+                <a:solidFill>
+                  <a:srgbClr val="FFC000"/>
+                </a:solidFill>
+              </a:rPr>
+              <a:t>emit the data </a:t>
+            </a:r>
+            <a:r>
+              <a:rPr lang="en-US" dirty="0" smtClean="0"/>
+              <a:t>is </a:t>
+            </a:r>
+            <a:r>
+              <a:rPr lang="en-US" b="1" dirty="0" smtClean="0"/>
+              <a:t>Subject</a:t>
+            </a:r>
+          </a:p>
+          <a:p>
+            <a:endParaRPr lang="en-US" b="1" dirty="0" smtClean="0"/>
+          </a:p>
+          <a:p>
+            <a:endParaRPr lang="en-US" b="1" dirty="0" smtClean="0"/>
+          </a:p>
+          <a:p>
+            <a:r>
+              <a:rPr lang="en-US" dirty="0" smtClean="0"/>
+              <a:t>Entity who </a:t>
+            </a:r>
+            <a:r>
+              <a:rPr lang="en-US" b="1" dirty="0" smtClean="0">
+                <a:solidFill>
+                  <a:srgbClr val="92D050"/>
+                </a:solidFill>
+              </a:rPr>
+              <a:t>subscribed</a:t>
+            </a:r>
+            <a:r>
+              <a:rPr lang="en-US" dirty="0" smtClean="0">
+                <a:solidFill>
+                  <a:srgbClr val="92D050"/>
+                </a:solidFill>
+              </a:rPr>
+              <a:t> to the subject to </a:t>
+            </a:r>
+            <a:r>
+              <a:rPr lang="en-US" b="1" dirty="0" smtClean="0">
+                <a:solidFill>
+                  <a:srgbClr val="92D050"/>
+                </a:solidFill>
+              </a:rPr>
+              <a:t>consume</a:t>
+            </a:r>
+            <a:r>
+              <a:rPr lang="en-US" dirty="0" smtClean="0">
+                <a:solidFill>
+                  <a:srgbClr val="92D050"/>
+                </a:solidFill>
+              </a:rPr>
+              <a:t> the data </a:t>
+            </a:r>
+            <a:r>
+              <a:rPr lang="en-US" dirty="0" smtClean="0"/>
+              <a:t>is </a:t>
+            </a:r>
+            <a:r>
+              <a:rPr lang="en-US" b="1" dirty="0" smtClean="0"/>
+              <a:t>Observer</a:t>
+            </a:r>
+          </a:p>
+          <a:p>
+            <a:endParaRPr lang="en-US" b="1" dirty="0"/>
+          </a:p>
+          <a:p>
+            <a:endParaRPr lang="en-US" b="1" dirty="0" smtClean="0"/>
+          </a:p>
+          <a:p>
+            <a:endParaRPr lang="en-US" b="1" dirty="0"/>
+          </a:p>
+          <a:p>
+            <a:r>
+              <a:rPr lang="en-US" sz="2600" dirty="0" err="1" smtClean="0"/>
+              <a:t>RxJava</a:t>
+            </a:r>
+            <a:r>
+              <a:rPr lang="en-US" sz="2600" dirty="0" smtClean="0"/>
+              <a:t>, </a:t>
+            </a:r>
+            <a:r>
+              <a:rPr lang="en-US" sz="2600" dirty="0" err="1" smtClean="0"/>
+              <a:t>RxJs</a:t>
+            </a:r>
+            <a:r>
+              <a:rPr lang="en-US" sz="2600" dirty="0" smtClean="0"/>
+              <a:t>, </a:t>
+            </a:r>
+            <a:r>
+              <a:rPr lang="en-US" sz="2600" dirty="0" err="1" smtClean="0"/>
+              <a:t>Rx.Net</a:t>
+            </a:r>
+            <a:r>
+              <a:rPr lang="en-US" sz="2600" dirty="0"/>
+              <a:t> </a:t>
+            </a:r>
+            <a:r>
+              <a:rPr lang="en-US" sz="2600" dirty="0" smtClean="0"/>
+              <a:t>using these libraries we can do RP in java, JS, </a:t>
+            </a:r>
+            <a:r>
+              <a:rPr lang="en-US" sz="2600" dirty="0" err="1" smtClean="0"/>
+              <a:t>.net</a:t>
+            </a:r>
+            <a:r>
+              <a:rPr lang="en-US" sz="2600" dirty="0" smtClean="0"/>
+              <a:t>.     for </a:t>
+            </a:r>
+            <a:r>
+              <a:rPr lang="en-US" sz="2600" dirty="0" smtClean="0">
+                <a:sym typeface="Wingdings" panose="05000000000000000000" pitchFamily="2" charset="2"/>
+              </a:rPr>
+              <a:t>Angular </a:t>
+            </a:r>
+            <a:r>
+              <a:rPr lang="en-US" sz="2600" dirty="0" err="1" smtClean="0">
+                <a:sym typeface="Wingdings" panose="05000000000000000000" pitchFamily="2" charset="2"/>
+              </a:rPr>
+              <a:t>NgRx</a:t>
+            </a:r>
+            <a:r>
+              <a:rPr lang="en-US" sz="2600" dirty="0" smtClean="0">
+                <a:sym typeface="Wingdings" panose="05000000000000000000" pitchFamily="2" charset="2"/>
+              </a:rPr>
+              <a:t> is the library which contains extra features.</a:t>
+            </a:r>
+            <a:endParaRPr lang="en-US" sz="2600" dirty="0" smtClean="0"/>
+          </a:p>
+          <a:p>
+            <a:endParaRPr lang="en-US" dirty="0"/>
+          </a:p>
+        </p:txBody>
+      </p:sp>
+      <p:pic>
+        <p:nvPicPr>
+          <p:cNvPr id="5" name="Picture 4"/>
+          <p:cNvPicPr>
+            <a:picLocks noChangeAspect="1"/>
+          </p:cNvPicPr>
+          <p:nvPr/>
+        </p:nvPicPr>
+        <p:blipFill>
+          <a:blip r:embed="rId2">
+            <a:extLst>
+              <a:ext uri="{28A0092B-C50C-407E-A947-70E740481C1C}">
+                <a14:useLocalDpi xmlns:a14="http://schemas.microsoft.com/office/drawing/2010/main" val="0"/>
+              </a:ext>
+            </a:extLst>
+          </a:blip>
+          <a:stretch>
+            <a:fillRect/>
+          </a:stretch>
+        </p:blipFill>
+        <p:spPr>
+          <a:xfrm rot="20945866">
+            <a:off x="1465449" y="3343276"/>
+            <a:ext cx="5495925" cy="2000250"/>
+          </a:xfrm>
+          <a:prstGeom prst="rect">
+            <a:avLst/>
+          </a:prstGeom>
+        </p:spPr>
+      </p:pic>
+      <p:pic>
+        <p:nvPicPr>
+          <p:cNvPr id="6" name="Picture 5"/>
+          <p:cNvPicPr>
+            <a:picLocks noChangeAspect="1"/>
+          </p:cNvPicPr>
+          <p:nvPr/>
+        </p:nvPicPr>
+        <p:blipFill>
+          <a:blip r:embed="rId3">
+            <a:extLst>
+              <a:ext uri="{28A0092B-C50C-407E-A947-70E740481C1C}">
+                <a14:useLocalDpi xmlns:a14="http://schemas.microsoft.com/office/drawing/2010/main" val="0"/>
+              </a:ext>
+            </a:extLst>
+          </a:blip>
+          <a:stretch>
+            <a:fillRect/>
+          </a:stretch>
+        </p:blipFill>
+        <p:spPr>
+          <a:xfrm rot="20934801">
+            <a:off x="1463977" y="1841469"/>
+            <a:ext cx="5495925" cy="2000250"/>
+          </a:xfrm>
+          <a:prstGeom prst="rect">
+            <a:avLst/>
+          </a:prstGeom>
+        </p:spPr>
+      </p:pic>
+    </p:spTree>
+    <p:extLst>
+      <p:ext uri="{BB962C8B-B14F-4D97-AF65-F5344CB8AC3E}">
+        <p14:creationId xmlns:p14="http://schemas.microsoft.com/office/powerpoint/2010/main" val="2008997488"/>
+      </p:ext>
+    </p:extLst>
+  </p:cSld>
+  <p:clrMapOvr>
+    <a:masterClrMapping/>
+  </p:clrMapOvr>
+  <p:timing>
+    <p:tnLst>
+      <p:par>
+        <p:cTn id="1" dur="indefinite" restart="never" nodeType="tmRoot"/>
+      </p:par>
+    </p:tnLst>
+  </p:timing>
+</p:sld>
+</file>
+
+<file path=ppt/slides/slide32.xml><?xml version="1.0" encoding="utf-8"?>
+<p:sld xmlns:a="http://schemas.openxmlformats.org/drawingml/2006/main" xmlns:r="http://schemas.openxmlformats.org/officeDocument/2006/relationships" xmlns:p="http://schemas.openxmlformats.org/presentationml/2006/main">
+  <p:cSld>
+    <p:spTree>
+      <p:nvGrpSpPr>
+        <p:cNvPr id="1" name=""/>
+        <p:cNvGrpSpPr/>
+        <p:nvPr/>
+      </p:nvGrpSpPr>
+      <p:grpSpPr>
+        <a:xfrm>
+          <a:off x="0" y="0"/>
+          <a:ext cx="0" cy="0"/>
+          <a:chOff x="0" y="0"/>
+          <a:chExt cx="0" cy="0"/>
+        </a:xfrm>
+      </p:grpSpPr>
+      <p:pic>
+        <p:nvPicPr>
+          <p:cNvPr id="8" name="Picture 7"/>
+          <p:cNvPicPr>
+            <a:picLocks noChangeAspect="1"/>
+          </p:cNvPicPr>
+          <p:nvPr/>
+        </p:nvPicPr>
+        <p:blipFill>
+          <a:blip r:embed="rId2">
+            <a:extLst>
+              <a:ext uri="{28A0092B-C50C-407E-A947-70E740481C1C}">
+                <a14:useLocalDpi xmlns:a14="http://schemas.microsoft.com/office/drawing/2010/main" val="0"/>
+              </a:ext>
+            </a:extLst>
+          </a:blip>
+          <a:stretch>
+            <a:fillRect/>
+          </a:stretch>
+        </p:blipFill>
+        <p:spPr>
+          <a:xfrm rot="384718">
+            <a:off x="4226620" y="2126252"/>
+            <a:ext cx="5495925" cy="2000250"/>
+          </a:xfrm>
+          <a:prstGeom prst="rect">
+            <a:avLst/>
+          </a:prstGeom>
+          <a:blipFill dpi="0" rotWithShape="1">
+            <a:blip r:embed="rId3">
+              <a:alphaModFix amt="0"/>
+            </a:blip>
+            <a:srcRect/>
+            <a:tile tx="0" ty="0" sx="100000" sy="100000" flip="none" algn="tl"/>
+          </a:blipFill>
+        </p:spPr>
+      </p:pic>
+      <p:sp>
+        <p:nvSpPr>
+          <p:cNvPr id="2" name="Title 1"/>
+          <p:cNvSpPr>
+            <a:spLocks noGrp="1"/>
+          </p:cNvSpPr>
+          <p:nvPr>
+            <p:ph type="title"/>
+          </p:nvPr>
+        </p:nvSpPr>
+        <p:spPr/>
+        <p:txBody>
+          <a:bodyPr/>
+          <a:lstStyle/>
+          <a:p>
+            <a:r>
+              <a:rPr lang="en-US" b="1" dirty="0" err="1" smtClean="0">
+                <a:solidFill>
+                  <a:schemeClr val="accent5">
+                    <a:lumMod val="60000"/>
+                    <a:lumOff val="40000"/>
+                  </a:schemeClr>
+                </a:solidFill>
+              </a:rPr>
+              <a:t>RxJS</a:t>
+            </a:r>
+            <a:r>
+              <a:rPr lang="en-US" b="1" dirty="0" smtClean="0">
+                <a:solidFill>
+                  <a:schemeClr val="accent5">
+                    <a:lumMod val="60000"/>
+                    <a:lumOff val="40000"/>
+                  </a:schemeClr>
+                </a:solidFill>
+              </a:rPr>
+              <a:t> in Angular</a:t>
+            </a:r>
+            <a:endParaRPr lang="en-US" dirty="0"/>
+          </a:p>
+        </p:txBody>
+      </p:sp>
+      <p:sp>
+        <p:nvSpPr>
+          <p:cNvPr id="3" name="Content Placeholder 2"/>
+          <p:cNvSpPr>
+            <a:spLocks noGrp="1"/>
+          </p:cNvSpPr>
+          <p:nvPr>
+            <p:ph idx="1"/>
+          </p:nvPr>
+        </p:nvSpPr>
+        <p:spPr/>
+        <p:txBody>
+          <a:bodyPr>
+            <a:normAutofit/>
+          </a:bodyPr>
+          <a:lstStyle/>
+          <a:p>
+            <a:pPr marL="514350" indent="-514350">
+              <a:buFont typeface="+mj-lt"/>
+              <a:buAutoNum type="arabicPeriod"/>
+            </a:pPr>
+            <a:r>
+              <a:rPr lang="en-US" dirty="0" smtClean="0"/>
+              <a:t>Streams</a:t>
+            </a:r>
+          </a:p>
+          <a:p>
+            <a:pPr lvl="1"/>
+            <a:r>
+              <a:rPr lang="en-US" dirty="0" smtClean="0"/>
+              <a:t>Start(</a:t>
+            </a:r>
+            <a:r>
+              <a:rPr lang="en-US" b="1" dirty="0" smtClean="0"/>
+              <a:t>subscribe</a:t>
+            </a:r>
+            <a:r>
+              <a:rPr lang="en-US" dirty="0" smtClean="0"/>
+              <a:t>)</a:t>
+            </a:r>
+          </a:p>
+          <a:p>
+            <a:pPr lvl="2"/>
+            <a:r>
+              <a:rPr lang="en-US" dirty="0" smtClean="0"/>
+              <a:t>Starts emitting data</a:t>
+            </a:r>
+          </a:p>
+          <a:p>
+            <a:pPr marL="514350" indent="-514350">
+              <a:buFont typeface="+mj-lt"/>
+              <a:buAutoNum type="arabicPeriod"/>
+            </a:pPr>
+            <a:r>
+              <a:rPr lang="en-US" b="1" dirty="0" smtClean="0"/>
+              <a:t>Observe</a:t>
+            </a:r>
+            <a:r>
+              <a:rPr lang="en-US" dirty="0" smtClean="0"/>
+              <a:t> the stream and do set of processes(observer)</a:t>
+            </a:r>
+          </a:p>
+          <a:p>
+            <a:pPr lvl="1"/>
+            <a:r>
+              <a:rPr lang="en-US" dirty="0" smtClean="0"/>
+              <a:t>Get the next and process : next()</a:t>
+            </a:r>
+          </a:p>
+          <a:p>
+            <a:pPr lvl="1"/>
+            <a:r>
+              <a:rPr lang="en-US" dirty="0" smtClean="0"/>
+              <a:t>Handle if any error : error()</a:t>
+            </a:r>
+          </a:p>
+          <a:p>
+            <a:pPr lvl="1"/>
+            <a:r>
+              <a:rPr lang="en-US" dirty="0" smtClean="0"/>
+              <a:t>End of operation : complete()</a:t>
+            </a:r>
+          </a:p>
+          <a:p>
+            <a:pPr marL="514350" indent="-514350">
+              <a:buFont typeface="+mj-lt"/>
+              <a:buAutoNum type="arabicPeriod"/>
+            </a:pPr>
+            <a:r>
+              <a:rPr lang="en-US" dirty="0" smtClean="0"/>
+              <a:t>Stop (</a:t>
+            </a:r>
+            <a:r>
+              <a:rPr lang="en-US" b="1" dirty="0" smtClean="0"/>
+              <a:t>unsubscribe</a:t>
+            </a:r>
+            <a:r>
+              <a:rPr lang="en-US" dirty="0" smtClean="0"/>
+              <a:t>)</a:t>
+            </a:r>
+            <a:endParaRPr lang="en-US" dirty="0"/>
+          </a:p>
+        </p:txBody>
+      </p:sp>
+    </p:spTree>
+    <p:extLst>
+      <p:ext uri="{BB962C8B-B14F-4D97-AF65-F5344CB8AC3E}">
+        <p14:creationId xmlns:p14="http://schemas.microsoft.com/office/powerpoint/2010/main" val="3126180634"/>
+      </p:ext>
+    </p:extLst>
+  </p:cSld>
+  <p:clrMapOvr>
+    <a:masterClrMapping/>
+  </p:clrMapOvr>
+  <p:timing>
+    <p:tnLst>
+      <p:par>
+        <p:cTn id="1" dur="indefinite" restart="never" nodeType="tmRoot"/>
+      </p:par>
+    </p:tnLst>
+  </p:timing>
+</p:sld>
+</file>
+
+<file path=ppt/slides/slide33.xml><?xml version="1.0" encoding="utf-8"?>
+<p:sld xmlns:a="http://schemas.openxmlformats.org/drawingml/2006/main" xmlns:r="http://schemas.openxmlformats.org/officeDocument/2006/relationships" xmlns:p="http://schemas.openxmlformats.org/presentationml/2006/main">
+  <p:cSld>
+    <p:spTree>
+      <p:nvGrpSpPr>
+        <p:cNvPr id="1" name=""/>
+        <p:cNvGrpSpPr/>
+        <p:nvPr/>
+      </p:nvGrpSpPr>
+      <p:grpSpPr>
+        <a:xfrm>
+          <a:off x="0" y="0"/>
+          <a:ext cx="0" cy="0"/>
+          <a:chOff x="0" y="0"/>
+          <a:chExt cx="0" cy="0"/>
+        </a:xfrm>
+      </p:grpSpPr>
+      <p:sp>
+        <p:nvSpPr>
+          <p:cNvPr id="2" name="Title 1"/>
+          <p:cNvSpPr>
+            <a:spLocks noGrp="1"/>
+          </p:cNvSpPr>
+          <p:nvPr>
+            <p:ph type="title"/>
+          </p:nvPr>
+        </p:nvSpPr>
+        <p:spPr/>
+        <p:txBody>
+          <a:bodyPr/>
+          <a:lstStyle/>
+          <a:p>
+            <a:r>
+              <a:rPr lang="en-US" b="1" dirty="0" smtClean="0">
+                <a:solidFill>
+                  <a:schemeClr val="accent5">
+                    <a:lumMod val="60000"/>
+                    <a:lumOff val="40000"/>
+                  </a:schemeClr>
+                </a:solidFill>
+              </a:rPr>
               <a:t>Observer and Observable </a:t>
             </a:r>
             <a:endParaRPr lang="en-US" dirty="0"/>
@@ -11116,7 +11791,7 @@
           <p:nvPr/>
         </p:nvPicPr>
         <p:blipFill>
-          <a:blip r:embed="rId2">
+          <a:blip r:embed="rId3">
             <a:extLst>
               <a:ext uri="{28A0092B-C50C-407E-A947-70E740481C1C}">
                 <a14:useLocalDpi xmlns:a14="http://schemas.microsoft.com/office/drawing/2010/main" val="0"/>
